--- a/Snake game.pptx
+++ b/Snake game.pptx
@@ -229,7 +229,7 @@
           <a:p>
             <a:fld id="{4BE6205E-B305-4B90-9534-3C5E99A0275E}" type="datetimeFigureOut">
               <a:rPr lang="en-US" smtClean="0"/>
-              <a:t>10/27/2025</a:t>
+              <a:t>10/30/2025</a:t>
             </a:fld>
             <a:endParaRPr lang="en-US" dirty="0"/>
           </a:p>
@@ -406,7 +406,7 @@
           <a:p>
             <a:fld id="{233722F1-E430-42A1-A473-1759336AECCE}" type="datetimeFigureOut">
               <a:rPr lang="en-US" smtClean="0"/>
-              <a:t>10/27/2025</a:t>
+              <a:t>10/30/2025</a:t>
             </a:fld>
             <a:endParaRPr lang="en-US" dirty="0"/>
           </a:p>
@@ -5973,8 +5973,10 @@
             <a:off x="2998295" y="120194"/>
             <a:ext cx="6567980" cy="6617611"/>
           </a:xfrm>
-          <a:prstGeom prst="rect">
-            <a:avLst/>
+          <a:prstGeom prst="roundRect">
+            <a:avLst>
+              <a:gd name="adj" fmla="val 3944"/>
+            </a:avLst>
           </a:prstGeom>
           <a:noFill/>
         </p:spPr>
@@ -6351,12 +6353,68 @@
           </a:p>
         </p:txBody>
       </p:sp>
+      <p:sp>
+        <p:nvSpPr>
+          <p:cNvPr id="11" name="TextBox 10">
+            <a:extLst>
+              <a:ext uri="{FF2B5EF4-FFF2-40B4-BE49-F238E27FC236}">
+                <a16:creationId xmlns:a16="http://schemas.microsoft.com/office/drawing/2014/main" id="{12FBC95A-7A67-38FA-FC15-DAA77AE257B7}"/>
+              </a:ext>
+            </a:extLst>
+          </p:cNvPr>
+          <p:cNvSpPr txBox="1"/>
+          <p:nvPr/>
+        </p:nvSpPr>
+        <p:spPr>
+          <a:xfrm>
+            <a:off x="1092339" y="1205070"/>
+            <a:ext cx="4678675" cy="1477328"/>
+          </a:xfrm>
+          <a:prstGeom prst="rect">
+            <a:avLst/>
+          </a:prstGeom>
+          <a:noFill/>
+        </p:spPr>
+        <p:txBody>
+          <a:bodyPr wrap="square" rtlCol="0">
+            <a:spAutoFit/>
+          </a:bodyPr>
+          <a:lstStyle/>
+          <a:p>
+            <a:r>
+              <a:rPr lang="fr-FR" noProof="0" dirty="0">
+                <a:solidFill>
+                  <a:schemeClr val="bg1"/>
+                </a:solidFill>
+              </a:rPr>
+              <a:t>- Création d’un jeu d’arcade classique avec une logique séparée</a:t>
+            </a:r>
+          </a:p>
+          <a:p>
+            <a:endParaRPr lang="fr-FR" noProof="0" dirty="0">
+              <a:solidFill>
+                <a:schemeClr val="bg1"/>
+              </a:solidFill>
+            </a:endParaRPr>
+          </a:p>
+          <a:p>
+            <a:r>
+              <a:rPr lang="fr-FR" noProof="0" dirty="0">
+                <a:solidFill>
+                  <a:schemeClr val="bg1"/>
+                </a:solidFill>
+              </a:rPr>
+              <a:t>- Implémentation dans deux moteurs différents</a:t>
+            </a:r>
+          </a:p>
+        </p:txBody>
+      </p:sp>
       <p:pic>
         <p:nvPicPr>
-          <p:cNvPr id="8" name="Picture 7">
-            <a:extLst>
-              <a:ext uri="{FF2B5EF4-FFF2-40B4-BE49-F238E27FC236}">
-                <a16:creationId xmlns:a16="http://schemas.microsoft.com/office/drawing/2014/main" id="{5355F344-C396-A051-24EB-A45249AAFAA7}"/>
+          <p:cNvPr id="7" name="Picture 6">
+            <a:extLst>
+              <a:ext uri="{FF2B5EF4-FFF2-40B4-BE49-F238E27FC236}">
+                <a16:creationId xmlns:a16="http://schemas.microsoft.com/office/drawing/2014/main" id="{5995E585-1C60-1095-5D78-60B2107B3601}"/>
               </a:ext>
             </a:extLst>
           </p:cNvPr>
@@ -6376,17 +6434,19 @@
             <a:off x="8961686" y="3524700"/>
             <a:ext cx="2480531" cy="2497817"/>
           </a:xfrm>
-          <a:prstGeom prst="rect">
-            <a:avLst/>
+          <a:prstGeom prst="roundRect">
+            <a:avLst>
+              <a:gd name="adj" fmla="val 5437"/>
+            </a:avLst>
           </a:prstGeom>
         </p:spPr>
       </p:pic>
       <p:pic>
         <p:nvPicPr>
-          <p:cNvPr id="10" name="Picture 9">
-            <a:extLst>
-              <a:ext uri="{FF2B5EF4-FFF2-40B4-BE49-F238E27FC236}">
-                <a16:creationId xmlns:a16="http://schemas.microsoft.com/office/drawing/2014/main" id="{E75E1703-5A23-F656-1B28-0E802FA0FA43}"/>
+          <p:cNvPr id="9" name="Picture 8">
+            <a:extLst>
+              <a:ext uri="{FF2B5EF4-FFF2-40B4-BE49-F238E27FC236}">
+                <a16:creationId xmlns:a16="http://schemas.microsoft.com/office/drawing/2014/main" id="{D019CA0F-381B-3AA7-A4BD-AD43CA2A4A41}"/>
               </a:ext>
             </a:extLst>
           </p:cNvPr>
@@ -6406,73 +6466,19 @@
             <a:off x="6096000" y="3524700"/>
             <a:ext cx="2260734" cy="2637523"/>
           </a:xfrm>
-          <a:prstGeom prst="rect">
-            <a:avLst/>
+          <a:prstGeom prst="roundRect">
+            <a:avLst>
+              <a:gd name="adj" fmla="val 2470"/>
+            </a:avLst>
           </a:prstGeom>
         </p:spPr>
       </p:pic>
-      <p:sp>
-        <p:nvSpPr>
-          <p:cNvPr id="11" name="TextBox 10">
-            <a:extLst>
-              <a:ext uri="{FF2B5EF4-FFF2-40B4-BE49-F238E27FC236}">
-                <a16:creationId xmlns:a16="http://schemas.microsoft.com/office/drawing/2014/main" id="{12FBC95A-7A67-38FA-FC15-DAA77AE257B7}"/>
-              </a:ext>
-            </a:extLst>
-          </p:cNvPr>
-          <p:cNvSpPr txBox="1"/>
-          <p:nvPr/>
-        </p:nvSpPr>
-        <p:spPr>
-          <a:xfrm>
-            <a:off x="1092339" y="1205070"/>
-            <a:ext cx="4678675" cy="1477328"/>
-          </a:xfrm>
-          <a:prstGeom prst="rect">
-            <a:avLst/>
-          </a:prstGeom>
-          <a:noFill/>
-        </p:spPr>
-        <p:txBody>
-          <a:bodyPr wrap="square" rtlCol="0">
-            <a:spAutoFit/>
-          </a:bodyPr>
-          <a:lstStyle/>
-          <a:p>
-            <a:r>
-              <a:rPr lang="fr-FR" noProof="0" dirty="0">
-                <a:solidFill>
-                  <a:schemeClr val="bg1"/>
-                </a:solidFill>
-              </a:rPr>
-              <a:t>- Création d’un jeu d’arcade classique avec une logique séparée</a:t>
-            </a:r>
-          </a:p>
-          <a:p>
-            <a:endParaRPr lang="fr-FR" dirty="0">
-              <a:solidFill>
-                <a:schemeClr val="bg1"/>
-              </a:solidFill>
-            </a:endParaRPr>
-          </a:p>
-          <a:p>
-            <a:r>
-              <a:rPr lang="fr-FR" noProof="0" dirty="0">
-                <a:solidFill>
-                  <a:schemeClr val="bg1"/>
-                </a:solidFill>
-              </a:rPr>
-              <a:t>- Implémentation dans deux moteurs différents</a:t>
-            </a:r>
-          </a:p>
-        </p:txBody>
-      </p:sp>
       <p:pic>
         <p:nvPicPr>
-          <p:cNvPr id="13" name="Graphic 12" descr="Gears with solid fill">
-            <a:extLst>
-              <a:ext uri="{FF2B5EF4-FFF2-40B4-BE49-F238E27FC236}">
-                <a16:creationId xmlns:a16="http://schemas.microsoft.com/office/drawing/2014/main" id="{2A0E0FFD-4849-B412-D8B3-C6F7DA745C45}"/>
+          <p:cNvPr id="12" name="Graphic 11" descr="Gears with solid fill">
+            <a:extLst>
+              <a:ext uri="{FF2B5EF4-FFF2-40B4-BE49-F238E27FC236}">
+                <a16:creationId xmlns:a16="http://schemas.microsoft.com/office/drawing/2014/main" id="{8D57E3AC-C360-8972-0B2D-5DA010C42025}"/>
               </a:ext>
             </a:extLst>
           </p:cNvPr>
@@ -6505,10 +6511,10 @@
       </p:pic>
       <p:sp>
         <p:nvSpPr>
-          <p:cNvPr id="14" name="TextBox 13">
-            <a:extLst>
-              <a:ext uri="{FF2B5EF4-FFF2-40B4-BE49-F238E27FC236}">
-                <a16:creationId xmlns:a16="http://schemas.microsoft.com/office/drawing/2014/main" id="{3BD34A46-1BBA-D913-E47B-F46F1F38C7DF}"/>
+          <p:cNvPr id="15" name="TextBox 14">
+            <a:extLst>
+              <a:ext uri="{FF2B5EF4-FFF2-40B4-BE49-F238E27FC236}">
+                <a16:creationId xmlns:a16="http://schemas.microsoft.com/office/drawing/2014/main" id="{86DA470B-0F06-3775-119E-10B4AAE9D7E5}"/>
               </a:ext>
             </a:extLst>
           </p:cNvPr>
@@ -6517,7 +6523,7 @@
         </p:nvSpPr>
         <p:spPr>
           <a:xfrm>
-            <a:off x="7490852" y="580028"/>
+            <a:off x="7403511" y="580028"/>
             <a:ext cx="2112406" cy="369332"/>
           </a:xfrm>
           <a:prstGeom prst="rect">
@@ -6533,7 +6539,7 @@
           <a:p>
             <a:pPr algn="ctr"/>
             <a:r>
-              <a:rPr lang="en-US" dirty="0">
+              <a:rPr lang="fr-FR" noProof="0" dirty="0">
                 <a:solidFill>
                   <a:schemeClr val="bg1"/>
                 </a:solidFill>
@@ -6545,10 +6551,10 @@
       </p:sp>
       <p:pic>
         <p:nvPicPr>
-          <p:cNvPr id="30" name="Picture 29" descr="A blue and white cartoon character&#10;&#10;AI-generated content may be incorrect.">
-            <a:extLst>
-              <a:ext uri="{FF2B5EF4-FFF2-40B4-BE49-F238E27FC236}">
-                <a16:creationId xmlns:a16="http://schemas.microsoft.com/office/drawing/2014/main" id="{97716A04-EBC8-5DC5-06FB-278D8FCD97E7}"/>
+          <p:cNvPr id="16" name="Picture 15" descr="A blue and white cartoon character&#10;&#10;AI-generated content may be incorrect.">
+            <a:extLst>
+              <a:ext uri="{FF2B5EF4-FFF2-40B4-BE49-F238E27FC236}">
+                <a16:creationId xmlns:a16="http://schemas.microsoft.com/office/drawing/2014/main" id="{C0739070-758F-D3D8-42BE-1F681F8B7550}"/>
               </a:ext>
               <a:ext uri="{C183D7F6-B498-43B3-948B-1728B52AA6E4}">
                 <adec:decorative xmlns:adec="http://schemas.microsoft.com/office/drawing/2017/decorative" val="0"/>
@@ -6577,17 +6583,17 @@
             <a:off x="11041952" y="3236598"/>
             <a:ext cx="605837" cy="576578"/>
           </a:xfrm>
-          <a:prstGeom prst="rect">
+          <a:prstGeom prst="roundRect">
             <a:avLst/>
           </a:prstGeom>
         </p:spPr>
       </p:pic>
       <p:pic>
         <p:nvPicPr>
-          <p:cNvPr id="33" name="Picture 32" descr="A black square with white text&#10;&#10;AI-generated content may be incorrect.">
-            <a:extLst>
-              <a:ext uri="{FF2B5EF4-FFF2-40B4-BE49-F238E27FC236}">
-                <a16:creationId xmlns:a16="http://schemas.microsoft.com/office/drawing/2014/main" id="{35199F57-168C-37CD-4611-3C5F03BA00BA}"/>
+          <p:cNvPr id="17" name="Picture 16" descr="A black square with white text&#10;&#10;AI-generated content may be incorrect.">
+            <a:extLst>
+              <a:ext uri="{FF2B5EF4-FFF2-40B4-BE49-F238E27FC236}">
+                <a16:creationId xmlns:a16="http://schemas.microsoft.com/office/drawing/2014/main" id="{95307574-4220-A89C-A61B-C42B6DA0989B}"/>
               </a:ext>
             </a:extLst>
           </p:cNvPr>
@@ -6613,23 +6619,21 @@
             <a:off x="7941218" y="3282714"/>
             <a:ext cx="605837" cy="605837"/>
           </a:xfrm>
-          <a:prstGeom prst="rect">
+          <a:prstGeom prst="roundRect">
             <a:avLst/>
           </a:prstGeom>
         </p:spPr>
       </p:pic>
       <p:cxnSp>
         <p:nvCxnSpPr>
-          <p:cNvPr id="41" name="Connector: Elbow 40">
-            <a:extLst>
-              <a:ext uri="{FF2B5EF4-FFF2-40B4-BE49-F238E27FC236}">
-                <a16:creationId xmlns:a16="http://schemas.microsoft.com/office/drawing/2014/main" id="{89C7E28E-4AE6-ABFD-D092-FA97F95137EE}"/>
-              </a:ext>
-            </a:extLst>
-          </p:cNvPr>
-          <p:cNvCxnSpPr>
-            <a:stCxn id="10" idx="0"/>
-          </p:cNvCxnSpPr>
+          <p:cNvPr id="18" name="Connector: Elbow 17">
+            <a:extLst>
+              <a:ext uri="{FF2B5EF4-FFF2-40B4-BE49-F238E27FC236}">
+                <a16:creationId xmlns:a16="http://schemas.microsoft.com/office/drawing/2014/main" id="{4C116BFD-E0C4-CC86-5D3F-E7C04FDFD8DA}"/>
+              </a:ext>
+            </a:extLst>
+          </p:cNvPr>
+          <p:cNvCxnSpPr/>
           <p:nvPr/>
         </p:nvCxnSpPr>
         <p:spPr>
@@ -6669,16 +6673,14 @@
       </p:cxnSp>
       <p:cxnSp>
         <p:nvCxnSpPr>
-          <p:cNvPr id="48" name="Connector: Elbow 47">
-            <a:extLst>
-              <a:ext uri="{FF2B5EF4-FFF2-40B4-BE49-F238E27FC236}">
-                <a16:creationId xmlns:a16="http://schemas.microsoft.com/office/drawing/2014/main" id="{1226CB17-9D4C-3336-EDF8-8007CBD49F92}"/>
-              </a:ext>
-            </a:extLst>
-          </p:cNvPr>
-          <p:cNvCxnSpPr>
-            <a:stCxn id="8" idx="0"/>
-          </p:cNvCxnSpPr>
+          <p:cNvPr id="19" name="Connector: Elbow 18">
+            <a:extLst>
+              <a:ext uri="{FF2B5EF4-FFF2-40B4-BE49-F238E27FC236}">
+                <a16:creationId xmlns:a16="http://schemas.microsoft.com/office/drawing/2014/main" id="{EE7AE3A1-B520-F8FC-CB72-285C152549AF}"/>
+              </a:ext>
+            </a:extLst>
+          </p:cNvPr>
+          <p:cNvCxnSpPr/>
           <p:nvPr/>
         </p:nvCxnSpPr>
         <p:spPr>
@@ -6715,10 +6717,10 @@
       </p:cxnSp>
       <p:sp>
         <p:nvSpPr>
-          <p:cNvPr id="3" name="TextBox 2">
-            <a:extLst>
-              <a:ext uri="{FF2B5EF4-FFF2-40B4-BE49-F238E27FC236}">
-                <a16:creationId xmlns:a16="http://schemas.microsoft.com/office/drawing/2014/main" id="{EFE30933-CBA0-0684-96F5-757DBB7662CF}"/>
+          <p:cNvPr id="20" name="TextBox 19">
+            <a:extLst>
+              <a:ext uri="{FF2B5EF4-FFF2-40B4-BE49-F238E27FC236}">
+                <a16:creationId xmlns:a16="http://schemas.microsoft.com/office/drawing/2014/main" id="{C14A44F2-CF90-B878-6911-7EF39C23C25E}"/>
               </a:ext>
             </a:extLst>
           </p:cNvPr>
@@ -6743,30 +6745,22 @@
           <a:p>
             <a:pPr algn="ctr"/>
             <a:r>
-              <a:rPr lang="en-US" dirty="0" err="1">
+              <a:rPr lang="fr-FR" noProof="0" dirty="0">
                 <a:solidFill>
                   <a:schemeClr val="bg1"/>
                 </a:solidFill>
               </a:rPr>
-              <a:t>Cmd</a:t>
-            </a:r>
-            <a:r>
-              <a:rPr lang="en-US" dirty="0">
-                <a:solidFill>
-                  <a:schemeClr val="bg1"/>
-                </a:solidFill>
-              </a:rPr>
-              <a:t> version</a:t>
+              <a:t>Cmd version</a:t>
             </a:r>
           </a:p>
         </p:txBody>
       </p:sp>
       <p:sp>
         <p:nvSpPr>
-          <p:cNvPr id="5" name="TextBox 4">
-            <a:extLst>
-              <a:ext uri="{FF2B5EF4-FFF2-40B4-BE49-F238E27FC236}">
-                <a16:creationId xmlns:a16="http://schemas.microsoft.com/office/drawing/2014/main" id="{3E5AF170-7320-EBAA-C9AE-F7DD670D8D19}"/>
+          <p:cNvPr id="21" name="TextBox 20">
+            <a:extLst>
+              <a:ext uri="{FF2B5EF4-FFF2-40B4-BE49-F238E27FC236}">
+                <a16:creationId xmlns:a16="http://schemas.microsoft.com/office/drawing/2014/main" id="{D2473582-4C6B-2069-DE6D-3E7F044A789D}"/>
               </a:ext>
             </a:extLst>
           </p:cNvPr>
@@ -6791,7 +6785,7 @@
           <a:p>
             <a:pPr algn="ctr"/>
             <a:r>
-              <a:rPr lang="en-US" dirty="0">
+              <a:rPr lang="fr-FR" noProof="0" dirty="0">
                 <a:solidFill>
                   <a:schemeClr val="bg1"/>
                 </a:solidFill>
@@ -6940,8 +6934,10 @@
             <a:off x="8961686" y="3524700"/>
             <a:ext cx="2480531" cy="2497817"/>
           </a:xfrm>
-          <a:prstGeom prst="rect">
-            <a:avLst/>
+          <a:prstGeom prst="roundRect">
+            <a:avLst>
+              <a:gd name="adj" fmla="val 5437"/>
+            </a:avLst>
           </a:prstGeom>
         </p:spPr>
       </p:pic>
@@ -6970,8 +6966,10 @@
             <a:off x="6096000" y="3524700"/>
             <a:ext cx="2260734" cy="2637523"/>
           </a:xfrm>
-          <a:prstGeom prst="rect">
-            <a:avLst/>
+          <a:prstGeom prst="roundRect">
+            <a:avLst>
+              <a:gd name="adj" fmla="val 2470"/>
+            </a:avLst>
           </a:prstGeom>
         </p:spPr>
       </p:pic>
@@ -6990,7 +6988,7 @@
         <p:spPr>
           <a:xfrm>
             <a:off x="1092339" y="1205070"/>
-            <a:ext cx="4678675" cy="1754326"/>
+            <a:ext cx="4678675" cy="2308324"/>
           </a:xfrm>
           <a:prstGeom prst="rect">
             <a:avLst/>
@@ -7018,7 +7016,7 @@
               <a:buChar char="-"/>
             </a:pPr>
             <a:r>
-              <a:rPr lang="fr-FR" dirty="0">
+              <a:rPr lang="fr-FR" noProof="0" dirty="0">
                 <a:solidFill>
                   <a:schemeClr val="bg1"/>
                 </a:solidFill>
@@ -7031,29 +7029,35 @@
               <a:buFontTx/>
               <a:buChar char="-"/>
             </a:pPr>
+            <a:endParaRPr lang="fr-FR" noProof="0" dirty="0">
+              <a:solidFill>
+                <a:schemeClr val="bg1"/>
+              </a:solidFill>
+            </a:endParaRPr>
+          </a:p>
+          <a:p>
+            <a:pPr marL="285750" indent="-285750">
+              <a:buFontTx/>
+              <a:buChar char="-"/>
+            </a:pPr>
+            <a:endParaRPr lang="fr-FR" noProof="0" dirty="0">
+              <a:solidFill>
+                <a:schemeClr val="bg1"/>
+              </a:solidFill>
+            </a:endParaRPr>
+          </a:p>
+          <a:p>
+            <a:pPr marL="285750" indent="-285750">
+              <a:buFontTx/>
+              <a:buChar char="-"/>
+            </a:pPr>
             <a:r>
               <a:rPr lang="fr-FR" noProof="0" dirty="0">
                 <a:solidFill>
                   <a:schemeClr val="bg1"/>
                 </a:solidFill>
               </a:rPr>
-              <a:t>Choix de la </a:t>
-            </a:r>
-            <a:r>
-              <a:rPr lang="fr-FR" noProof="0" dirty="0" err="1">
-                <a:solidFill>
-                  <a:schemeClr val="bg1"/>
-                </a:solidFill>
-              </a:rPr>
-              <a:t>difficultée</a:t>
-            </a:r>
-            <a:r>
-              <a:rPr lang="fr-FR" dirty="0">
-                <a:solidFill>
-                  <a:schemeClr val="bg1"/>
-                </a:solidFill>
-              </a:rPr>
-              <a:t>:</a:t>
+              <a:t>Choix de la difficulté:</a:t>
             </a:r>
           </a:p>
           <a:p>
@@ -7075,15 +7079,7 @@
                   <a:schemeClr val="bg1"/>
                 </a:solidFill>
               </a:rPr>
-              <a:t>: ~225 ms/</a:t>
-            </a:r>
-            <a:r>
-              <a:rPr lang="fr-FR" dirty="0">
-                <a:solidFill>
-                  <a:schemeClr val="bg1"/>
-                </a:solidFill>
-              </a:rPr>
-              <a:t>case</a:t>
+              <a:t>: ~225 ms/case</a:t>
             </a:r>
           </a:p>
           <a:p>
@@ -7106,18 +7102,13 @@
               <a:buChar char="-"/>
             </a:pPr>
             <a:r>
-              <a:rPr lang="fr-FR" dirty="0">
+              <a:rPr lang="fr-FR" noProof="0" dirty="0">
                 <a:solidFill>
                   <a:schemeClr val="bg1"/>
                 </a:solidFill>
               </a:rPr>
               <a:t>Hard: ~100 ms/case</a:t>
             </a:r>
-            <a:endParaRPr lang="fr-FR" noProof="0" dirty="0">
-              <a:solidFill>
-                <a:schemeClr val="bg1"/>
-              </a:solidFill>
-            </a:endParaRPr>
           </a:p>
         </p:txBody>
       </p:sp>
@@ -7171,7 +7162,7 @@
         </p:nvSpPr>
         <p:spPr>
           <a:xfrm>
-            <a:off x="7490852" y="580028"/>
+            <a:off x="7403511" y="580028"/>
             <a:ext cx="2112406" cy="369332"/>
           </a:xfrm>
           <a:prstGeom prst="rect">
@@ -7187,7 +7178,7 @@
           <a:p>
             <a:pPr algn="ctr"/>
             <a:r>
-              <a:rPr lang="en-US" dirty="0">
+              <a:rPr lang="fr-FR" noProof="0" dirty="0">
                 <a:solidFill>
                   <a:schemeClr val="bg1"/>
                 </a:solidFill>
@@ -7231,7 +7222,7 @@
             <a:off x="11041952" y="3236598"/>
             <a:ext cx="605837" cy="576578"/>
           </a:xfrm>
-          <a:prstGeom prst="rect">
+          <a:prstGeom prst="roundRect">
             <a:avLst/>
           </a:prstGeom>
         </p:spPr>
@@ -7267,7 +7258,7 @@
             <a:off x="7941218" y="3282714"/>
             <a:ext cx="605837" cy="605837"/>
           </a:xfrm>
-          <a:prstGeom prst="rect">
+          <a:prstGeom prst="roundRect">
             <a:avLst/>
           </a:prstGeom>
         </p:spPr>
@@ -7281,9 +7272,7 @@
               </a:ext>
             </a:extLst>
           </p:cNvPr>
-          <p:cNvCxnSpPr>
-            <a:stCxn id="10" idx="0"/>
-          </p:cNvCxnSpPr>
+          <p:cNvCxnSpPr/>
           <p:nvPr/>
         </p:nvCxnSpPr>
         <p:spPr>
@@ -7330,9 +7319,7 @@
               </a:ext>
             </a:extLst>
           </p:cNvPr>
-          <p:cNvCxnSpPr>
-            <a:stCxn id="8" idx="0"/>
-          </p:cNvCxnSpPr>
+          <p:cNvCxnSpPr/>
           <p:nvPr/>
         </p:nvCxnSpPr>
         <p:spPr>
@@ -7397,20 +7384,12 @@
           <a:p>
             <a:pPr algn="ctr"/>
             <a:r>
-              <a:rPr lang="en-US" dirty="0" err="1">
+              <a:rPr lang="fr-FR" noProof="0" dirty="0">
                 <a:solidFill>
                   <a:schemeClr val="bg1"/>
                 </a:solidFill>
               </a:rPr>
-              <a:t>Cmd</a:t>
-            </a:r>
-            <a:r>
-              <a:rPr lang="en-US" dirty="0">
-                <a:solidFill>
-                  <a:schemeClr val="bg1"/>
-                </a:solidFill>
-              </a:rPr>
-              <a:t> version</a:t>
+              <a:t>Cmd version</a:t>
             </a:r>
           </a:p>
         </p:txBody>
@@ -7445,7 +7424,7 @@
           <a:p>
             <a:pPr algn="ctr"/>
             <a:r>
-              <a:rPr lang="en-US" dirty="0">
+              <a:rPr lang="fr-FR" noProof="0" dirty="0">
                 <a:solidFill>
                   <a:schemeClr val="bg1"/>
                 </a:solidFill>
@@ -7617,15 +7596,19 @@
                 <a:solidFill>
                   <a:schemeClr val="bg1"/>
                 </a:solidFill>
+                <a:latin typeface="Arial" panose="020B0604020202020204" pitchFamily="34" charset="0"/>
+                <a:cs typeface="Arial" panose="020B0604020202020204" pitchFamily="34" charset="0"/>
               </a:rPr>
               <a:t>- Implémenté en C#</a:t>
             </a:r>
           </a:p>
           <a:p>
-            <a:endParaRPr lang="fr-FR" dirty="0">
+            <a:endParaRPr lang="fr-FR" noProof="0" dirty="0">
               <a:solidFill>
                 <a:schemeClr val="bg1"/>
               </a:solidFill>
+              <a:latin typeface="Arial" panose="020B0604020202020204" pitchFamily="34" charset="0"/>
+              <a:cs typeface="Arial" panose="020B0604020202020204" pitchFamily="34" charset="0"/>
             </a:endParaRPr>
           </a:p>
           <a:p>
@@ -7634,18 +7617,72 @@
                 <a:solidFill>
                   <a:schemeClr val="bg1"/>
                 </a:solidFill>
+                <a:latin typeface="Arial" panose="020B0604020202020204" pitchFamily="34" charset="0"/>
+                <a:cs typeface="Arial" panose="020B0604020202020204" pitchFamily="34" charset="0"/>
               </a:rPr>
-              <a:t>- Séparé en 5 classes différentes</a:t>
+              <a:t>- Séparé en 3 classes (et 1 </a:t>
+            </a:r>
+            <a:r>
+              <a:rPr lang="fr-FR" noProof="0" dirty="0" err="1">
+                <a:solidFill>
+                  <a:schemeClr val="bg1"/>
+                </a:solidFill>
+                <a:latin typeface="Arial" panose="020B0604020202020204" pitchFamily="34" charset="0"/>
+                <a:cs typeface="Arial" panose="020B0604020202020204" pitchFamily="34" charset="0"/>
+              </a:rPr>
+              <a:t>struct</a:t>
+            </a:r>
+            <a:r>
+              <a:rPr lang="fr-FR" noProof="0" dirty="0">
+                <a:solidFill>
+                  <a:schemeClr val="bg1"/>
+                </a:solidFill>
+                <a:latin typeface="Arial" panose="020B0604020202020204" pitchFamily="34" charset="0"/>
+                <a:cs typeface="Arial" panose="020B0604020202020204" pitchFamily="34" charset="0"/>
+              </a:rPr>
+              <a:t> helper)</a:t>
             </a:r>
           </a:p>
         </p:txBody>
       </p:sp>
+      <p:pic>
+        <p:nvPicPr>
+          <p:cNvPr id="170" name="Picture 169" descr="A diagram of a game&#10;&#10;AI-generated content may be incorrect.">
+            <a:extLst>
+              <a:ext uri="{FF2B5EF4-FFF2-40B4-BE49-F238E27FC236}">
+                <a16:creationId xmlns:a16="http://schemas.microsoft.com/office/drawing/2014/main" id="{0D5A6ECD-7BB0-204B-E9D0-7572658E9821}"/>
+              </a:ext>
+            </a:extLst>
+          </p:cNvPr>
+          <p:cNvPicPr>
+            <a:picLocks noChangeAspect="1"/>
+          </p:cNvPicPr>
+          <p:nvPr/>
+        </p:nvPicPr>
+        <p:blipFill>
+          <a:blip r:embed="rId2"/>
+          <a:stretch>
+            <a:fillRect/>
+          </a:stretch>
+        </p:blipFill>
+        <p:spPr>
+          <a:xfrm>
+            <a:off x="6320454" y="1666735"/>
+            <a:ext cx="4779207" cy="4414581"/>
+          </a:xfrm>
+          <a:prstGeom prst="roundRect">
+            <a:avLst>
+              <a:gd name="adj" fmla="val 8848"/>
+            </a:avLst>
+          </a:prstGeom>
+        </p:spPr>
+      </p:pic>
       <p:sp>
         <p:nvSpPr>
-          <p:cNvPr id="6" name="TextBox 5">
-            <a:extLst>
-              <a:ext uri="{FF2B5EF4-FFF2-40B4-BE49-F238E27FC236}">
-                <a16:creationId xmlns:a16="http://schemas.microsoft.com/office/drawing/2014/main" id="{1308F106-53A8-2362-BBB5-2858E9F15040}"/>
+          <p:cNvPr id="171" name="TextBox 170">
+            <a:extLst>
+              <a:ext uri="{FF2B5EF4-FFF2-40B4-BE49-F238E27FC236}">
+                <a16:creationId xmlns:a16="http://schemas.microsoft.com/office/drawing/2014/main" id="{B5366C21-42F8-CFB9-2BBB-590187E7DBF3}"/>
               </a:ext>
             </a:extLst>
           </p:cNvPr>
@@ -7654,8 +7691,8 @@
         </p:nvSpPr>
         <p:spPr>
           <a:xfrm>
-            <a:off x="4281330" y="3839269"/>
-            <a:ext cx="4959560" cy="369332"/>
+            <a:off x="1552567" y="2243394"/>
+            <a:ext cx="3627322" cy="2000548"/>
           </a:xfrm>
           <a:prstGeom prst="rect">
             <a:avLst/>
@@ -7669,8 +7706,276 @@
           <a:lstStyle/>
           <a:p>
             <a:r>
-              <a:rPr lang="en-US" dirty="0"/>
-              <a:t>INSERT ARCHITECTURE DIAGRAM</a:t>
+              <a:rPr lang="fr-FR" noProof="0" dirty="0">
+                <a:solidFill>
+                  <a:srgbClr val="39CC9B"/>
+                </a:solidFill>
+                <a:latin typeface="JetBrains Mono"/>
+                <a:cs typeface="Arial" panose="020B0604020202020204" pitchFamily="34" charset="0"/>
+              </a:rPr>
+              <a:t>Game</a:t>
+            </a:r>
+            <a:r>
+              <a:rPr lang="fr-FR" noProof="0" dirty="0">
+                <a:solidFill>
+                  <a:schemeClr val="bg1"/>
+                </a:solidFill>
+                <a:latin typeface="Arial" panose="020B0604020202020204" pitchFamily="34" charset="0"/>
+                <a:cs typeface="Arial" panose="020B0604020202020204" pitchFamily="34" charset="0"/>
+              </a:rPr>
+              <a:t> </a:t>
+            </a:r>
+            <a:r>
+              <a:rPr lang="fr-FR" sz="1400" noProof="0" dirty="0">
+                <a:solidFill>
+                  <a:schemeClr val="bg1"/>
+                </a:solidFill>
+                <a:latin typeface="Arial" panose="020B0604020202020204" pitchFamily="34" charset="0"/>
+                <a:cs typeface="Arial" panose="020B0604020202020204" pitchFamily="34" charset="0"/>
+              </a:rPr>
+              <a:t>grille de jeu, avancer le serpent, ajouter une nouvelle pomme</a:t>
+            </a:r>
+          </a:p>
+          <a:p>
+            <a:endParaRPr lang="fr-FR" sz="1400" dirty="0">
+              <a:solidFill>
+                <a:schemeClr val="bg1"/>
+              </a:solidFill>
+              <a:latin typeface="Arial" panose="020B0604020202020204" pitchFamily="34" charset="0"/>
+              <a:cs typeface="Arial" panose="020B0604020202020204" pitchFamily="34" charset="0"/>
+            </a:endParaRPr>
+          </a:p>
+          <a:p>
+            <a:r>
+              <a:rPr lang="fr-FR" dirty="0">
+                <a:solidFill>
+                  <a:srgbClr val="39CC9B"/>
+                </a:solidFill>
+                <a:latin typeface="JetBrains Mono"/>
+                <a:cs typeface="Arial" panose="020B0604020202020204" pitchFamily="34" charset="0"/>
+              </a:rPr>
+              <a:t>Snake</a:t>
+            </a:r>
+            <a:r>
+              <a:rPr lang="fr-FR" sz="1400" dirty="0">
+                <a:solidFill>
+                  <a:schemeClr val="bg1"/>
+                </a:solidFill>
+                <a:latin typeface="Arial" panose="020B0604020202020204" pitchFamily="34" charset="0"/>
+                <a:cs typeface="Arial" panose="020B0604020202020204" pitchFamily="34" charset="0"/>
+              </a:rPr>
+              <a:t> création de la grille, le niveau de difficulté</a:t>
+            </a:r>
+          </a:p>
+          <a:p>
+            <a:endParaRPr lang="fr-FR" sz="1400" noProof="0" dirty="0">
+              <a:solidFill>
+                <a:schemeClr val="bg1"/>
+              </a:solidFill>
+              <a:latin typeface="Arial" panose="020B0604020202020204" pitchFamily="34" charset="0"/>
+              <a:cs typeface="Arial" panose="020B0604020202020204" pitchFamily="34" charset="0"/>
+            </a:endParaRPr>
+          </a:p>
+          <a:p>
+            <a:r>
+              <a:rPr lang="fr-FR" dirty="0" err="1">
+                <a:solidFill>
+                  <a:srgbClr val="39CC9B"/>
+                </a:solidFill>
+                <a:latin typeface="JetBrains Mono"/>
+                <a:cs typeface="Arial" panose="020B0604020202020204" pitchFamily="34" charset="0"/>
+              </a:rPr>
+              <a:t>GameState</a:t>
+            </a:r>
+            <a:r>
+              <a:rPr lang="fr-FR" sz="1400" dirty="0">
+                <a:solidFill>
+                  <a:schemeClr val="bg1"/>
+                </a:solidFill>
+                <a:latin typeface="Arial" panose="020B0604020202020204" pitchFamily="34" charset="0"/>
+                <a:cs typeface="Arial" panose="020B0604020202020204" pitchFamily="34" charset="0"/>
+              </a:rPr>
+              <a:t> gère le vecteur représentant l’état du jeu</a:t>
+            </a:r>
+          </a:p>
+        </p:txBody>
+      </p:sp>
+      <p:pic>
+        <p:nvPicPr>
+          <p:cNvPr id="173" name="Picture 172" descr="A screenshot of a phone&#10;&#10;AI-generated content may be incorrect.">
+            <a:extLst>
+              <a:ext uri="{FF2B5EF4-FFF2-40B4-BE49-F238E27FC236}">
+                <a16:creationId xmlns:a16="http://schemas.microsoft.com/office/drawing/2014/main" id="{4FCC786E-BAB0-4D53-83C0-814BFA1EE1D4}"/>
+              </a:ext>
+            </a:extLst>
+          </p:cNvPr>
+          <p:cNvPicPr>
+            <a:picLocks noChangeAspect="1"/>
+          </p:cNvPicPr>
+          <p:nvPr/>
+        </p:nvPicPr>
+        <p:blipFill>
+          <a:blip r:embed="rId3"/>
+          <a:stretch>
+            <a:fillRect/>
+          </a:stretch>
+        </p:blipFill>
+        <p:spPr>
+          <a:xfrm>
+            <a:off x="1612078" y="5433257"/>
+            <a:ext cx="388289" cy="403743"/>
+          </a:xfrm>
+          <a:prstGeom prst="rect">
+            <a:avLst/>
+          </a:prstGeom>
+        </p:spPr>
+      </p:pic>
+      <p:pic>
+        <p:nvPicPr>
+          <p:cNvPr id="177" name="Picture 176" descr="A brown and black rectangles with a green background&#10;&#10;AI-generated content may be incorrect.">
+            <a:extLst>
+              <a:ext uri="{FF2B5EF4-FFF2-40B4-BE49-F238E27FC236}">
+                <a16:creationId xmlns:a16="http://schemas.microsoft.com/office/drawing/2014/main" id="{2A8B3C66-DC4A-CD9E-2275-EFF49CE421F0}"/>
+              </a:ext>
+            </a:extLst>
+          </p:cNvPr>
+          <p:cNvPicPr>
+            <a:picLocks noChangeAspect="1"/>
+          </p:cNvPicPr>
+          <p:nvPr/>
+        </p:nvPicPr>
+        <p:blipFill>
+          <a:blip r:embed="rId4"/>
+          <a:stretch>
+            <a:fillRect/>
+          </a:stretch>
+        </p:blipFill>
+        <p:spPr>
+          <a:xfrm>
+            <a:off x="1612078" y="5865814"/>
+            <a:ext cx="388289" cy="401062"/>
+          </a:xfrm>
+          <a:prstGeom prst="rect">
+            <a:avLst/>
+          </a:prstGeom>
+        </p:spPr>
+      </p:pic>
+      <p:pic>
+        <p:nvPicPr>
+          <p:cNvPr id="179" name="Picture 178">
+            <a:extLst>
+              <a:ext uri="{FF2B5EF4-FFF2-40B4-BE49-F238E27FC236}">
+                <a16:creationId xmlns:a16="http://schemas.microsoft.com/office/drawing/2014/main" id="{9B2FA5BB-FFCB-7DA1-0C6F-58E0F7AECBFD}"/>
+              </a:ext>
+            </a:extLst>
+          </p:cNvPr>
+          <p:cNvPicPr>
+            <a:picLocks noChangeAspect="1"/>
+          </p:cNvPicPr>
+          <p:nvPr/>
+        </p:nvPicPr>
+        <p:blipFill>
+          <a:blip r:embed="rId5"/>
+          <a:stretch>
+            <a:fillRect/>
+          </a:stretch>
+        </p:blipFill>
+        <p:spPr>
+          <a:xfrm>
+            <a:off x="1612078" y="5002173"/>
+            <a:ext cx="388289" cy="402270"/>
+          </a:xfrm>
+          <a:prstGeom prst="rect">
+            <a:avLst/>
+          </a:prstGeom>
+        </p:spPr>
+      </p:pic>
+      <p:sp>
+        <p:nvSpPr>
+          <p:cNvPr id="180" name="TextBox 179">
+            <a:extLst>
+              <a:ext uri="{FF2B5EF4-FFF2-40B4-BE49-F238E27FC236}">
+                <a16:creationId xmlns:a16="http://schemas.microsoft.com/office/drawing/2014/main" id="{C47ED17B-5FF9-C8FC-C4C3-92415497DDC9}"/>
+              </a:ext>
+            </a:extLst>
+          </p:cNvPr>
+          <p:cNvSpPr txBox="1"/>
+          <p:nvPr/>
+        </p:nvSpPr>
+        <p:spPr>
+          <a:xfrm>
+            <a:off x="2001904" y="4979994"/>
+            <a:ext cx="1039559" cy="1323439"/>
+          </a:xfrm>
+          <a:prstGeom prst="rect">
+            <a:avLst/>
+          </a:prstGeom>
+          <a:noFill/>
+        </p:spPr>
+        <p:txBody>
+          <a:bodyPr wrap="square" rtlCol="0">
+            <a:spAutoFit/>
+          </a:bodyPr>
+          <a:lstStyle/>
+          <a:p>
+            <a:r>
+              <a:rPr lang="en-US" sz="1600" dirty="0">
+                <a:solidFill>
+                  <a:srgbClr val="4E9252"/>
+                </a:solidFill>
+                <a:latin typeface="Arial" panose="020B0604020202020204" pitchFamily="34" charset="0"/>
+                <a:cs typeface="Arial" panose="020B0604020202020204" pitchFamily="34" charset="0"/>
+              </a:rPr>
+              <a:t>Class</a:t>
+            </a:r>
+            <a:endParaRPr lang="en-US" sz="1600" noProof="0" dirty="0">
+              <a:solidFill>
+                <a:srgbClr val="4E9252"/>
+              </a:solidFill>
+              <a:latin typeface="Arial" panose="020B0604020202020204" pitchFamily="34" charset="0"/>
+              <a:cs typeface="Arial" panose="020B0604020202020204" pitchFamily="34" charset="0"/>
+            </a:endParaRPr>
+          </a:p>
+          <a:p>
+            <a:endParaRPr lang="en-US" sz="1600" noProof="0" dirty="0">
+              <a:solidFill>
+                <a:srgbClr val="4E9252"/>
+              </a:solidFill>
+              <a:latin typeface="Arial" panose="020B0604020202020204" pitchFamily="34" charset="0"/>
+              <a:cs typeface="Arial" panose="020B0604020202020204" pitchFamily="34" charset="0"/>
+            </a:endParaRPr>
+          </a:p>
+          <a:p>
+            <a:r>
+              <a:rPr lang="en-US" sz="1600" noProof="0" dirty="0">
+                <a:solidFill>
+                  <a:srgbClr val="4E9252"/>
+                </a:solidFill>
+                <a:latin typeface="Arial" panose="020B0604020202020204" pitchFamily="34" charset="0"/>
+                <a:cs typeface="Arial" panose="020B0604020202020204" pitchFamily="34" charset="0"/>
+              </a:rPr>
+              <a:t>Struct</a:t>
+            </a:r>
+          </a:p>
+          <a:p>
+            <a:endParaRPr lang="en-US" sz="1600" dirty="0">
+              <a:solidFill>
+                <a:srgbClr val="4E9252"/>
+              </a:solidFill>
+              <a:latin typeface="Arial" panose="020B0604020202020204" pitchFamily="34" charset="0"/>
+              <a:cs typeface="Arial" panose="020B0604020202020204" pitchFamily="34" charset="0"/>
+            </a:endParaRPr>
+          </a:p>
+          <a:p>
+            <a:r>
+              <a:rPr lang="en-US" sz="1600" noProof="0" dirty="0">
+                <a:solidFill>
+                  <a:srgbClr val="4E9252"/>
+                </a:solidFill>
+                <a:latin typeface="Arial" panose="020B0604020202020204" pitchFamily="34" charset="0"/>
+                <a:cs typeface="Arial" panose="020B0604020202020204" pitchFamily="34" charset="0"/>
+              </a:rPr>
+              <a:t>Enum</a:t>
             </a:r>
           </a:p>
         </p:txBody>
@@ -7719,6 +8024,42 @@
           <a:chExt cx="0" cy="0"/>
         </a:xfrm>
       </p:grpSpPr>
+      <p:pic>
+        <p:nvPicPr>
+          <p:cNvPr id="13" name="Picture 12" descr="A logo of a cube&#10;&#10;AI-generated content may be incorrect.">
+            <a:extLst>
+              <a:ext uri="{FF2B5EF4-FFF2-40B4-BE49-F238E27FC236}">
+                <a16:creationId xmlns:a16="http://schemas.microsoft.com/office/drawing/2014/main" id="{38D84F49-8B11-AB39-5FC8-3B27A01CD679}"/>
+              </a:ext>
+            </a:extLst>
+          </p:cNvPr>
+          <p:cNvPicPr>
+            <a:picLocks noChangeAspect="1"/>
+          </p:cNvPicPr>
+          <p:nvPr/>
+        </p:nvPicPr>
+        <p:blipFill>
+          <a:blip r:embed="rId2">
+            <a:extLst>
+              <a:ext uri="{837473B0-CC2E-450A-ABE3-18F120FF3D39}">
+                <a1611:picAttrSrcUrl xmlns:a1611="http://schemas.microsoft.com/office/drawing/2016/11/main" r:id="rId3"/>
+              </a:ext>
+            </a:extLst>
+          </a:blip>
+          <a:stretch>
+            <a:fillRect/>
+          </a:stretch>
+        </p:blipFill>
+        <p:spPr>
+          <a:xfrm>
+            <a:off x="9356079" y="4008324"/>
+            <a:ext cx="1005959" cy="1005959"/>
+          </a:xfrm>
+          <a:prstGeom prst="rect">
+            <a:avLst/>
+          </a:prstGeom>
+        </p:spPr>
+      </p:pic>
       <p:sp>
         <p:nvSpPr>
           <p:cNvPr id="2" name="Title 1">
@@ -7827,7 +8168,7 @@
             </a:r>
           </a:p>
           <a:p>
-            <a:endParaRPr lang="fr-FR" dirty="0">
+            <a:endParaRPr lang="fr-FR" noProof="0" dirty="0">
               <a:solidFill>
                 <a:schemeClr val="bg1"/>
               </a:solidFill>
@@ -7845,12 +8186,48 @@
           </a:p>
         </p:txBody>
       </p:sp>
+      <p:pic>
+        <p:nvPicPr>
+          <p:cNvPr id="7" name="Graphic 6" descr="Gears with solid fill">
+            <a:extLst>
+              <a:ext uri="{FF2B5EF4-FFF2-40B4-BE49-F238E27FC236}">
+                <a16:creationId xmlns:a16="http://schemas.microsoft.com/office/drawing/2014/main" id="{14568135-70D1-2A40-80A4-94AD687A2EE0}"/>
+              </a:ext>
+            </a:extLst>
+          </p:cNvPr>
+          <p:cNvPicPr>
+            <a:picLocks noChangeAspect="1"/>
+          </p:cNvPicPr>
+          <p:nvPr/>
+        </p:nvPicPr>
+        <p:blipFill>
+          <a:blip r:embed="rId4">
+            <a:extLst>
+              <a:ext uri="{96DAC541-7B7A-43D3-8B79-37D633B846F1}">
+                <asvg:svgBlip xmlns:asvg="http://schemas.microsoft.com/office/drawing/2016/SVG/main" r:embed="rId5"/>
+              </a:ext>
+            </a:extLst>
+          </a:blip>
+          <a:stretch>
+            <a:fillRect/>
+          </a:stretch>
+        </p:blipFill>
+        <p:spPr>
+          <a:xfrm>
+            <a:off x="2470670" y="4066354"/>
+            <a:ext cx="1777328" cy="1777328"/>
+          </a:xfrm>
+          <a:prstGeom prst="rect">
+            <a:avLst/>
+          </a:prstGeom>
+        </p:spPr>
+      </p:pic>
       <p:sp>
         <p:nvSpPr>
-          <p:cNvPr id="6" name="TextBox 5">
-            <a:extLst>
-              <a:ext uri="{FF2B5EF4-FFF2-40B4-BE49-F238E27FC236}">
-                <a16:creationId xmlns:a16="http://schemas.microsoft.com/office/drawing/2014/main" id="{BC857F5D-56F6-F394-B660-EDFA3F18EBFD}"/>
+          <p:cNvPr id="8" name="TextBox 7">
+            <a:extLst>
+              <a:ext uri="{FF2B5EF4-FFF2-40B4-BE49-F238E27FC236}">
+                <a16:creationId xmlns:a16="http://schemas.microsoft.com/office/drawing/2014/main" id="{08D33ABC-6939-AB69-90B0-3F790A98C2D2}"/>
               </a:ext>
             </a:extLst>
           </p:cNvPr>
@@ -7859,8 +8236,8 @@
         </p:nvSpPr>
         <p:spPr>
           <a:xfrm>
-            <a:off x="4034212" y="4126085"/>
-            <a:ext cx="4959560" cy="369332"/>
+            <a:off x="2303131" y="3485104"/>
+            <a:ext cx="2112406" cy="523220"/>
           </a:xfrm>
           <a:prstGeom prst="rect">
             <a:avLst/>
@@ -7873,13 +8250,811 @@
           </a:bodyPr>
           <a:lstStyle/>
           <a:p>
-            <a:r>
-              <a:rPr lang="en-US" dirty="0"/>
-              <a:t>INSERT COMMUNICATION DIAGRAM</a:t>
-            </a:r>
+            <a:pPr algn="ctr"/>
+            <a:r>
+              <a:rPr lang="fr-FR" sz="2800" b="1" noProof="0" dirty="0" err="1">
+                <a:solidFill>
+                  <a:schemeClr val="bg1"/>
+                </a:solidFill>
+              </a:rPr>
+              <a:t>Core</a:t>
+            </a:r>
+            <a:endParaRPr lang="fr-FR" sz="2800" b="1" noProof="0" dirty="0">
+              <a:solidFill>
+                <a:schemeClr val="bg1"/>
+              </a:solidFill>
+            </a:endParaRPr>
           </a:p>
         </p:txBody>
       </p:sp>
+      <p:pic>
+        <p:nvPicPr>
+          <p:cNvPr id="10" name="Picture 9" descr="A black square with white text&#10;&#10;AI-generated content may be incorrect.">
+            <a:extLst>
+              <a:ext uri="{FF2B5EF4-FFF2-40B4-BE49-F238E27FC236}">
+                <a16:creationId xmlns:a16="http://schemas.microsoft.com/office/drawing/2014/main" id="{FD544E95-AD24-12EF-5713-2A6674A449AB}"/>
+              </a:ext>
+            </a:extLst>
+          </p:cNvPr>
+          <p:cNvPicPr>
+            <a:picLocks noChangeAspect="1"/>
+          </p:cNvPicPr>
+          <p:nvPr/>
+        </p:nvPicPr>
+        <p:blipFill>
+          <a:blip r:embed="rId6">
+            <a:extLst>
+              <a:ext uri="{837473B0-CC2E-450A-ABE3-18F120FF3D39}">
+                <a1611:picAttrSrcUrl xmlns:a1611="http://schemas.microsoft.com/office/drawing/2016/11/main" r:id="rId7"/>
+              </a:ext>
+            </a:extLst>
+          </a:blip>
+          <a:stretch>
+            <a:fillRect/>
+          </a:stretch>
+        </p:blipFill>
+        <p:spPr>
+          <a:xfrm>
+            <a:off x="9407070" y="4914411"/>
+            <a:ext cx="847472" cy="847472"/>
+          </a:xfrm>
+          <a:prstGeom prst="roundRect">
+            <a:avLst/>
+          </a:prstGeom>
+        </p:spPr>
+      </p:pic>
+      <p:pic>
+        <p:nvPicPr>
+          <p:cNvPr id="9" name="Picture 8" descr="A blue and white cartoon character&#10;&#10;AI-generated content may be incorrect.">
+            <a:extLst>
+              <a:ext uri="{FF2B5EF4-FFF2-40B4-BE49-F238E27FC236}">
+                <a16:creationId xmlns:a16="http://schemas.microsoft.com/office/drawing/2014/main" id="{5945DE7F-B5CF-2C58-0399-98DC4593CE4D}"/>
+              </a:ext>
+              <a:ext uri="{C183D7F6-B498-43B3-948B-1728B52AA6E4}">
+                <adec:decorative xmlns:adec="http://schemas.microsoft.com/office/drawing/2017/decorative" val="0"/>
+              </a:ext>
+            </a:extLst>
+          </p:cNvPr>
+          <p:cNvPicPr>
+            <a:picLocks noChangeAspect="1"/>
+          </p:cNvPicPr>
+          <p:nvPr/>
+        </p:nvPicPr>
+        <p:blipFill>
+          <a:blip r:embed="rId8">
+            <a:extLst>
+              <a:ext uri="{837473B0-CC2E-450A-ABE3-18F120FF3D39}">
+                <a1611:picAttrSrcUrl xmlns:a1611="http://schemas.microsoft.com/office/drawing/2016/11/main" r:id="rId9"/>
+              </a:ext>
+            </a:extLst>
+          </a:blip>
+          <a:stretch>
+            <a:fillRect/>
+          </a:stretch>
+        </p:blipFill>
+        <p:spPr>
+          <a:xfrm>
+            <a:off x="8757076" y="4540611"/>
+            <a:ext cx="890478" cy="847472"/>
+          </a:xfrm>
+          <a:prstGeom prst="roundRect">
+            <a:avLst/>
+          </a:prstGeom>
+        </p:spPr>
+      </p:pic>
+      <p:sp>
+        <p:nvSpPr>
+          <p:cNvPr id="15" name="TextBox 14">
+            <a:extLst>
+              <a:ext uri="{FF2B5EF4-FFF2-40B4-BE49-F238E27FC236}">
+                <a16:creationId xmlns:a16="http://schemas.microsoft.com/office/drawing/2014/main" id="{0060ED7F-BE61-0ECA-D5AB-06DCB4937FEE}"/>
+              </a:ext>
+            </a:extLst>
+          </p:cNvPr>
+          <p:cNvSpPr txBox="1"/>
+          <p:nvPr/>
+        </p:nvSpPr>
+        <p:spPr>
+          <a:xfrm>
+            <a:off x="8591351" y="3521446"/>
+            <a:ext cx="2407514" cy="523220"/>
+          </a:xfrm>
+          <a:prstGeom prst="rect">
+            <a:avLst/>
+          </a:prstGeom>
+          <a:noFill/>
+        </p:spPr>
+        <p:txBody>
+          <a:bodyPr wrap="square" rtlCol="0">
+            <a:spAutoFit/>
+          </a:bodyPr>
+          <a:lstStyle/>
+          <a:p>
+            <a:pPr algn="ctr"/>
+            <a:r>
+              <a:rPr lang="fr-FR" sz="2800" b="1" noProof="0" dirty="0" err="1">
+                <a:solidFill>
+                  <a:schemeClr val="bg1"/>
+                </a:solidFill>
+              </a:rPr>
+              <a:t>Visualization</a:t>
+            </a:r>
+            <a:endParaRPr lang="fr-FR" sz="2800" b="1" noProof="0" dirty="0">
+              <a:solidFill>
+                <a:schemeClr val="bg1"/>
+              </a:solidFill>
+            </a:endParaRPr>
+          </a:p>
+        </p:txBody>
+      </p:sp>
+      <p:cxnSp>
+        <p:nvCxnSpPr>
+          <p:cNvPr id="20" name="Straight Arrow Connector 19">
+            <a:extLst>
+              <a:ext uri="{FF2B5EF4-FFF2-40B4-BE49-F238E27FC236}">
+                <a16:creationId xmlns:a16="http://schemas.microsoft.com/office/drawing/2014/main" id="{1FE6B3A4-EB8A-A183-C6AC-A5F2437F3CFD}"/>
+              </a:ext>
+            </a:extLst>
+          </p:cNvPr>
+          <p:cNvCxnSpPr>
+            <a:cxnSpLocks/>
+          </p:cNvCxnSpPr>
+          <p:nvPr/>
+        </p:nvCxnSpPr>
+        <p:spPr>
+          <a:xfrm flipH="1">
+            <a:off x="4669290" y="3857763"/>
+            <a:ext cx="3006271" cy="500687"/>
+          </a:xfrm>
+          <a:prstGeom prst="straightConnector1">
+            <a:avLst/>
+          </a:prstGeom>
+          <a:ln>
+            <a:solidFill>
+              <a:schemeClr val="accent5">
+                <a:lumMod val="20000"/>
+                <a:lumOff val="80000"/>
+              </a:schemeClr>
+            </a:solidFill>
+            <a:tailEnd type="triangle"/>
+          </a:ln>
+        </p:spPr>
+        <p:style>
+          <a:lnRef idx="1">
+            <a:schemeClr val="accent1"/>
+          </a:lnRef>
+          <a:fillRef idx="0">
+            <a:schemeClr val="accent1"/>
+          </a:fillRef>
+          <a:effectRef idx="0">
+            <a:schemeClr val="accent1"/>
+          </a:effectRef>
+          <a:fontRef idx="minor">
+            <a:schemeClr val="tx1"/>
+          </a:fontRef>
+        </p:style>
+      </p:cxnSp>
+      <p:cxnSp>
+        <p:nvCxnSpPr>
+          <p:cNvPr id="22" name="Straight Arrow Connector 21">
+            <a:extLst>
+              <a:ext uri="{FF2B5EF4-FFF2-40B4-BE49-F238E27FC236}">
+                <a16:creationId xmlns:a16="http://schemas.microsoft.com/office/drawing/2014/main" id="{B686FB7C-D08D-A2FE-E500-295A01B5B24C}"/>
+              </a:ext>
+            </a:extLst>
+          </p:cNvPr>
+          <p:cNvCxnSpPr>
+            <a:cxnSpLocks/>
+          </p:cNvCxnSpPr>
+          <p:nvPr/>
+        </p:nvCxnSpPr>
+        <p:spPr>
+          <a:xfrm>
+            <a:off x="4712407" y="4357909"/>
+            <a:ext cx="2963154" cy="389517"/>
+          </a:xfrm>
+          <a:prstGeom prst="straightConnector1">
+            <a:avLst/>
+          </a:prstGeom>
+          <a:ln>
+            <a:solidFill>
+              <a:schemeClr val="accent5">
+                <a:lumMod val="20000"/>
+                <a:lumOff val="80000"/>
+              </a:schemeClr>
+            </a:solidFill>
+            <a:tailEnd type="triangle"/>
+          </a:ln>
+        </p:spPr>
+        <p:style>
+          <a:lnRef idx="1">
+            <a:schemeClr val="accent1"/>
+          </a:lnRef>
+          <a:fillRef idx="0">
+            <a:schemeClr val="accent1"/>
+          </a:fillRef>
+          <a:effectRef idx="0">
+            <a:schemeClr val="accent1"/>
+          </a:effectRef>
+          <a:fontRef idx="minor">
+            <a:schemeClr val="tx1"/>
+          </a:fontRef>
+        </p:style>
+      </p:cxnSp>
+      <p:cxnSp>
+        <p:nvCxnSpPr>
+          <p:cNvPr id="23" name="Straight Arrow Connector 22">
+            <a:extLst>
+              <a:ext uri="{FF2B5EF4-FFF2-40B4-BE49-F238E27FC236}">
+                <a16:creationId xmlns:a16="http://schemas.microsoft.com/office/drawing/2014/main" id="{BBDD15CA-4C6D-852F-9A59-53CB0F76447F}"/>
+              </a:ext>
+            </a:extLst>
+          </p:cNvPr>
+          <p:cNvCxnSpPr>
+            <a:cxnSpLocks/>
+          </p:cNvCxnSpPr>
+          <p:nvPr/>
+        </p:nvCxnSpPr>
+        <p:spPr>
+          <a:xfrm>
+            <a:off x="4833517" y="5312507"/>
+            <a:ext cx="2842044" cy="305963"/>
+          </a:xfrm>
+          <a:prstGeom prst="straightConnector1">
+            <a:avLst/>
+          </a:prstGeom>
+          <a:ln>
+            <a:solidFill>
+              <a:schemeClr val="accent5">
+                <a:lumMod val="20000"/>
+                <a:lumOff val="80000"/>
+              </a:schemeClr>
+            </a:solidFill>
+            <a:tailEnd type="triangle"/>
+          </a:ln>
+        </p:spPr>
+        <p:style>
+          <a:lnRef idx="1">
+            <a:schemeClr val="accent1"/>
+          </a:lnRef>
+          <a:fillRef idx="0">
+            <a:schemeClr val="accent1"/>
+          </a:fillRef>
+          <a:effectRef idx="0">
+            <a:schemeClr val="accent1"/>
+          </a:effectRef>
+          <a:fontRef idx="minor">
+            <a:schemeClr val="tx1"/>
+          </a:fontRef>
+        </p:style>
+      </p:cxnSp>
+      <p:cxnSp>
+        <p:nvCxnSpPr>
+          <p:cNvPr id="24" name="Straight Arrow Connector 23">
+            <a:extLst>
+              <a:ext uri="{FF2B5EF4-FFF2-40B4-BE49-F238E27FC236}">
+                <a16:creationId xmlns:a16="http://schemas.microsoft.com/office/drawing/2014/main" id="{359DFCF3-3F16-F3FC-3360-34B1E0FAD60A}"/>
+              </a:ext>
+            </a:extLst>
+          </p:cNvPr>
+          <p:cNvCxnSpPr>
+            <a:cxnSpLocks/>
+          </p:cNvCxnSpPr>
+          <p:nvPr/>
+        </p:nvCxnSpPr>
+        <p:spPr>
+          <a:xfrm flipH="1">
+            <a:off x="4755525" y="4988643"/>
+            <a:ext cx="2799898" cy="277825"/>
+          </a:xfrm>
+          <a:prstGeom prst="straightConnector1">
+            <a:avLst/>
+          </a:prstGeom>
+          <a:ln>
+            <a:solidFill>
+              <a:schemeClr val="accent5">
+                <a:lumMod val="20000"/>
+                <a:lumOff val="80000"/>
+              </a:schemeClr>
+            </a:solidFill>
+            <a:tailEnd type="triangle"/>
+          </a:ln>
+        </p:spPr>
+        <p:style>
+          <a:lnRef idx="1">
+            <a:schemeClr val="accent1"/>
+          </a:lnRef>
+          <a:fillRef idx="0">
+            <a:schemeClr val="accent1"/>
+          </a:fillRef>
+          <a:effectRef idx="0">
+            <a:schemeClr val="accent1"/>
+          </a:effectRef>
+          <a:fontRef idx="minor">
+            <a:schemeClr val="tx1"/>
+          </a:fontRef>
+        </p:style>
+      </p:cxnSp>
+      <p:sp>
+        <p:nvSpPr>
+          <p:cNvPr id="29" name="TextBox 28">
+            <a:extLst>
+              <a:ext uri="{FF2B5EF4-FFF2-40B4-BE49-F238E27FC236}">
+                <a16:creationId xmlns:a16="http://schemas.microsoft.com/office/drawing/2014/main" id="{0A6C2442-7FAC-E709-3611-4D0EC8113271}"/>
+              </a:ext>
+            </a:extLst>
+          </p:cNvPr>
+          <p:cNvSpPr txBox="1"/>
+          <p:nvPr/>
+        </p:nvSpPr>
+        <p:spPr>
+          <a:xfrm rot="21073622">
+            <a:off x="5106659" y="3799510"/>
+            <a:ext cx="2407514" cy="584775"/>
+          </a:xfrm>
+          <a:prstGeom prst="rect">
+            <a:avLst/>
+          </a:prstGeom>
+          <a:noFill/>
+        </p:spPr>
+        <p:txBody>
+          <a:bodyPr wrap="square" rtlCol="0">
+            <a:spAutoFit/>
+          </a:bodyPr>
+          <a:lstStyle/>
+          <a:p>
+            <a:pPr>
+              <a:buNone/>
+            </a:pPr>
+            <a:r>
+              <a:rPr lang="fr-FR" sz="1400" noProof="0" dirty="0" err="1">
+                <a:solidFill>
+                  <a:srgbClr val="39CC9B"/>
+                </a:solidFill>
+                <a:effectLst/>
+                <a:latin typeface="JetBrains Mono"/>
+              </a:rPr>
+              <a:t>Initialize</a:t>
+            </a:r>
+            <a:r>
+              <a:rPr lang="fr-FR" sz="1400" noProof="0" dirty="0">
+                <a:solidFill>
+                  <a:srgbClr val="BDBDBD"/>
+                </a:solidFill>
+                <a:effectLst/>
+                <a:latin typeface="JetBrains Mono"/>
+              </a:rPr>
+              <a:t>(</a:t>
+            </a:r>
+            <a:r>
+              <a:rPr lang="fr-FR" sz="1400" noProof="0" dirty="0" err="1">
+                <a:solidFill>
+                  <a:srgbClr val="BDBDBD"/>
+                </a:solidFill>
+                <a:effectLst/>
+                <a:latin typeface="JetBrains Mono"/>
+              </a:rPr>
+              <a:t>GridSize</a:t>
+            </a:r>
+            <a:r>
+              <a:rPr lang="fr-FR" sz="1400" noProof="0" dirty="0">
+                <a:solidFill>
+                  <a:srgbClr val="BDBDBD"/>
+                </a:solidFill>
+                <a:effectLst/>
+                <a:latin typeface="JetBrains Mono"/>
+              </a:rPr>
+              <a:t>, </a:t>
+            </a:r>
+            <a:r>
+              <a:rPr lang="fr-FR" sz="1400" noProof="0" dirty="0" err="1">
+                <a:solidFill>
+                  <a:srgbClr val="BDBDBD"/>
+                </a:solidFill>
+                <a:effectLst/>
+                <a:latin typeface="JetBrains Mono"/>
+              </a:rPr>
+              <a:t>Difficulty</a:t>
+            </a:r>
+            <a:r>
+              <a:rPr lang="fr-FR" sz="1400" noProof="0" dirty="0">
+                <a:solidFill>
+                  <a:srgbClr val="BDBDBD"/>
+                </a:solidFill>
+                <a:effectLst/>
+                <a:latin typeface="JetBrains Mono"/>
+              </a:rPr>
+              <a:t>)</a:t>
+            </a:r>
+            <a:endParaRPr lang="fr-FR" sz="1400" noProof="0" dirty="0">
+              <a:solidFill>
+                <a:srgbClr val="D0D0D0"/>
+              </a:solidFill>
+              <a:effectLst/>
+              <a:latin typeface="JetBrains Mono"/>
+            </a:endParaRPr>
+          </a:p>
+          <a:p>
+            <a:endParaRPr lang="fr-FR" noProof="0" dirty="0"/>
+          </a:p>
+        </p:txBody>
+      </p:sp>
+      <p:sp>
+        <p:nvSpPr>
+          <p:cNvPr id="46" name="TextBox 45">
+            <a:extLst>
+              <a:ext uri="{FF2B5EF4-FFF2-40B4-BE49-F238E27FC236}">
+                <a16:creationId xmlns:a16="http://schemas.microsoft.com/office/drawing/2014/main" id="{EB9BED95-B19F-71CD-196A-A4E0D8194DFE}"/>
+              </a:ext>
+            </a:extLst>
+          </p:cNvPr>
+          <p:cNvSpPr txBox="1"/>
+          <p:nvPr/>
+        </p:nvSpPr>
+        <p:spPr>
+          <a:xfrm rot="426681">
+            <a:off x="6055173" y="4395405"/>
+            <a:ext cx="2039233" cy="307777"/>
+          </a:xfrm>
+          <a:prstGeom prst="rect">
+            <a:avLst/>
+          </a:prstGeom>
+          <a:noFill/>
+        </p:spPr>
+        <p:txBody>
+          <a:bodyPr wrap="square">
+            <a:spAutoFit/>
+          </a:bodyPr>
+          <a:lstStyle/>
+          <a:p>
+            <a:pPr>
+              <a:buNone/>
+            </a:pPr>
+            <a:r>
+              <a:rPr lang="fr-FR" sz="1400" noProof="0" dirty="0">
+                <a:solidFill>
+                  <a:srgbClr val="6C95EB"/>
+                </a:solidFill>
+                <a:effectLst/>
+                <a:latin typeface="JetBrains Mono"/>
+              </a:rPr>
+              <a:t>return </a:t>
+            </a:r>
+            <a:r>
+              <a:rPr lang="fr-FR" sz="1400" noProof="0" dirty="0">
+                <a:solidFill>
+                  <a:srgbClr val="66C3CC"/>
+                </a:solidFill>
+                <a:effectLst/>
+                <a:latin typeface="JetBrains Mono"/>
+              </a:rPr>
+              <a:t>_</a:t>
+            </a:r>
+            <a:r>
+              <a:rPr lang="fr-FR" sz="1400" noProof="0" dirty="0" err="1">
+                <a:solidFill>
+                  <a:srgbClr val="66C3CC"/>
+                </a:solidFill>
+                <a:effectLst/>
+                <a:latin typeface="JetBrains Mono"/>
+              </a:rPr>
+              <a:t>gam</a:t>
+            </a:r>
+            <a:r>
+              <a:rPr lang="fr-FR" sz="1400" noProof="0" dirty="0" err="1">
+                <a:solidFill>
+                  <a:srgbClr val="66C3CC"/>
+                </a:solidFill>
+                <a:latin typeface="JetBrains Mono"/>
+              </a:rPr>
+              <a:t>eState</a:t>
+            </a:r>
+            <a:r>
+              <a:rPr lang="fr-FR" sz="1400" noProof="0" dirty="0">
+                <a:solidFill>
+                  <a:srgbClr val="66C3CC"/>
+                </a:solidFill>
+                <a:latin typeface="JetBrains Mono"/>
+              </a:rPr>
+              <a:t>;</a:t>
+            </a:r>
+            <a:endParaRPr lang="fr-FR" sz="1400" noProof="0" dirty="0">
+              <a:solidFill>
+                <a:srgbClr val="D0D0D0"/>
+              </a:solidFill>
+              <a:effectLst/>
+              <a:latin typeface="JetBrains Mono"/>
+            </a:endParaRPr>
+          </a:p>
+        </p:txBody>
+      </p:sp>
+      <p:sp>
+        <p:nvSpPr>
+          <p:cNvPr id="47" name="TextBox 46">
+            <a:extLst>
+              <a:ext uri="{FF2B5EF4-FFF2-40B4-BE49-F238E27FC236}">
+                <a16:creationId xmlns:a16="http://schemas.microsoft.com/office/drawing/2014/main" id="{38C80EC5-BC5A-76F1-6142-9BE54590165B}"/>
+              </a:ext>
+            </a:extLst>
+          </p:cNvPr>
+          <p:cNvSpPr txBox="1"/>
+          <p:nvPr/>
+        </p:nvSpPr>
+        <p:spPr>
+          <a:xfrm rot="345314">
+            <a:off x="6048753" y="5272998"/>
+            <a:ext cx="2039233" cy="307777"/>
+          </a:xfrm>
+          <a:prstGeom prst="rect">
+            <a:avLst/>
+          </a:prstGeom>
+          <a:noFill/>
+        </p:spPr>
+        <p:txBody>
+          <a:bodyPr wrap="square">
+            <a:spAutoFit/>
+          </a:bodyPr>
+          <a:lstStyle/>
+          <a:p>
+            <a:pPr>
+              <a:buNone/>
+            </a:pPr>
+            <a:r>
+              <a:rPr lang="fr-FR" sz="1400" noProof="0" dirty="0">
+                <a:solidFill>
+                  <a:srgbClr val="6C95EB"/>
+                </a:solidFill>
+                <a:effectLst/>
+                <a:latin typeface="JetBrains Mono"/>
+              </a:rPr>
+              <a:t>return </a:t>
+            </a:r>
+            <a:r>
+              <a:rPr lang="fr-FR" sz="1400" noProof="0" dirty="0">
+                <a:solidFill>
+                  <a:srgbClr val="66C3CC"/>
+                </a:solidFill>
+                <a:effectLst/>
+                <a:latin typeface="JetBrains Mono"/>
+              </a:rPr>
+              <a:t>_</a:t>
+            </a:r>
+            <a:r>
+              <a:rPr lang="fr-FR" sz="1400" noProof="0" dirty="0" err="1">
+                <a:solidFill>
+                  <a:srgbClr val="66C3CC"/>
+                </a:solidFill>
+                <a:effectLst/>
+                <a:latin typeface="JetBrains Mono"/>
+              </a:rPr>
+              <a:t>gam</a:t>
+            </a:r>
+            <a:r>
+              <a:rPr lang="fr-FR" sz="1400" noProof="0" dirty="0" err="1">
+                <a:solidFill>
+                  <a:srgbClr val="66C3CC"/>
+                </a:solidFill>
+                <a:latin typeface="JetBrains Mono"/>
+              </a:rPr>
+              <a:t>eState</a:t>
+            </a:r>
+            <a:r>
+              <a:rPr lang="fr-FR" sz="1400" noProof="0" dirty="0">
+                <a:solidFill>
+                  <a:srgbClr val="66C3CC"/>
+                </a:solidFill>
+                <a:latin typeface="JetBrains Mono"/>
+              </a:rPr>
+              <a:t>;</a:t>
+            </a:r>
+            <a:endParaRPr lang="fr-FR" sz="1400" noProof="0" dirty="0">
+              <a:solidFill>
+                <a:srgbClr val="D0D0D0"/>
+              </a:solidFill>
+              <a:effectLst/>
+              <a:latin typeface="JetBrains Mono"/>
+            </a:endParaRPr>
+          </a:p>
+        </p:txBody>
+      </p:sp>
+      <p:sp>
+        <p:nvSpPr>
+          <p:cNvPr id="55" name="TextBox 54">
+            <a:extLst>
+              <a:ext uri="{FF2B5EF4-FFF2-40B4-BE49-F238E27FC236}">
+                <a16:creationId xmlns:a16="http://schemas.microsoft.com/office/drawing/2014/main" id="{0443BB1C-16DA-FC5E-FBAC-65F53B2630C7}"/>
+              </a:ext>
+            </a:extLst>
+          </p:cNvPr>
+          <p:cNvSpPr txBox="1"/>
+          <p:nvPr/>
+        </p:nvSpPr>
+        <p:spPr>
+          <a:xfrm rot="21271025">
+            <a:off x="4986446" y="4836400"/>
+            <a:ext cx="1889037" cy="307777"/>
+          </a:xfrm>
+          <a:prstGeom prst="rect">
+            <a:avLst/>
+          </a:prstGeom>
+          <a:noFill/>
+        </p:spPr>
+        <p:txBody>
+          <a:bodyPr wrap="square">
+            <a:spAutoFit/>
+          </a:bodyPr>
+          <a:lstStyle/>
+          <a:p>
+            <a:pPr>
+              <a:buNone/>
+            </a:pPr>
+            <a:r>
+              <a:rPr lang="fr-FR" sz="1400" noProof="0" dirty="0" err="1">
+                <a:solidFill>
+                  <a:srgbClr val="39CC9B"/>
+                </a:solidFill>
+                <a:effectLst/>
+                <a:latin typeface="JetBrains Mono"/>
+              </a:rPr>
+              <a:t>DoAction</a:t>
+            </a:r>
+            <a:r>
+              <a:rPr lang="fr-FR" sz="1400" noProof="0" dirty="0">
+                <a:solidFill>
+                  <a:srgbClr val="BDBDBD"/>
+                </a:solidFill>
+                <a:effectLst/>
+                <a:latin typeface="JetBrains Mono"/>
+              </a:rPr>
+              <a:t>(</a:t>
+            </a:r>
+            <a:r>
+              <a:rPr lang="fr-FR" sz="1400" noProof="0" dirty="0">
+                <a:solidFill>
+                  <a:srgbClr val="66C3CC"/>
+                </a:solidFill>
+                <a:effectLst/>
+                <a:latin typeface="JetBrains Mono"/>
+              </a:rPr>
+              <a:t>_action</a:t>
+            </a:r>
+            <a:r>
+              <a:rPr lang="fr-FR" sz="1400" noProof="0" dirty="0">
+                <a:solidFill>
+                  <a:srgbClr val="BDBDBD"/>
+                </a:solidFill>
+                <a:effectLst/>
+                <a:latin typeface="JetBrains Mono"/>
+              </a:rPr>
+              <a:t>)</a:t>
+            </a:r>
+            <a:endParaRPr lang="fr-FR" sz="1400" noProof="0" dirty="0">
+              <a:solidFill>
+                <a:srgbClr val="D0D0D0"/>
+              </a:solidFill>
+              <a:effectLst/>
+              <a:latin typeface="JetBrains Mono"/>
+            </a:endParaRPr>
+          </a:p>
+        </p:txBody>
+      </p:sp>
+      <p:pic>
+        <p:nvPicPr>
+          <p:cNvPr id="57" name="Graphic 56" descr="Refresh with solid fill">
+            <a:extLst>
+              <a:ext uri="{FF2B5EF4-FFF2-40B4-BE49-F238E27FC236}">
+                <a16:creationId xmlns:a16="http://schemas.microsoft.com/office/drawing/2014/main" id="{DE60BE54-AB19-F574-4084-76C5D459ADA3}"/>
+              </a:ext>
+            </a:extLst>
+          </p:cNvPr>
+          <p:cNvPicPr>
+            <a:picLocks noChangeAspect="1"/>
+          </p:cNvPicPr>
+          <p:nvPr/>
+        </p:nvPicPr>
+        <p:blipFill>
+          <a:blip r:embed="rId10">
+            <a:extLst>
+              <a:ext uri="{96DAC541-7B7A-43D3-8B79-37D633B846F1}">
+                <asvg:svgBlip xmlns:asvg="http://schemas.microsoft.com/office/drawing/2016/SVG/main" r:embed="rId11"/>
+              </a:ext>
+            </a:extLst>
+          </a:blip>
+          <a:stretch>
+            <a:fillRect/>
+          </a:stretch>
+        </p:blipFill>
+        <p:spPr>
+          <a:xfrm rot="17494697">
+            <a:off x="7680427" y="5064700"/>
+            <a:ext cx="523220" cy="523220"/>
+          </a:xfrm>
+          <a:prstGeom prst="rect">
+            <a:avLst/>
+          </a:prstGeom>
+        </p:spPr>
+      </p:pic>
+      <p:cxnSp>
+        <p:nvCxnSpPr>
+          <p:cNvPr id="59" name="Straight Arrow Connector 58">
+            <a:extLst>
+              <a:ext uri="{FF2B5EF4-FFF2-40B4-BE49-F238E27FC236}">
+                <a16:creationId xmlns:a16="http://schemas.microsoft.com/office/drawing/2014/main" id="{C269F224-9918-703A-67A9-C74DAD32EC13}"/>
+              </a:ext>
+            </a:extLst>
+          </p:cNvPr>
+          <p:cNvCxnSpPr/>
+          <p:nvPr/>
+        </p:nvCxnSpPr>
+        <p:spPr>
+          <a:xfrm>
+            <a:off x="8338601" y="3521446"/>
+            <a:ext cx="0" cy="2422155"/>
+          </a:xfrm>
+          <a:prstGeom prst="straightConnector1">
+            <a:avLst/>
+          </a:prstGeom>
+          <a:ln>
+            <a:solidFill>
+              <a:schemeClr val="accent5">
+                <a:lumMod val="20000"/>
+                <a:lumOff val="80000"/>
+              </a:schemeClr>
+            </a:solidFill>
+            <a:tailEnd type="triangle"/>
+          </a:ln>
+        </p:spPr>
+        <p:style>
+          <a:lnRef idx="1">
+            <a:schemeClr val="accent1"/>
+          </a:lnRef>
+          <a:fillRef idx="0">
+            <a:schemeClr val="accent1"/>
+          </a:fillRef>
+          <a:effectRef idx="0">
+            <a:schemeClr val="accent1"/>
+          </a:effectRef>
+          <a:fontRef idx="minor">
+            <a:schemeClr val="tx1"/>
+          </a:fontRef>
+        </p:style>
+      </p:cxnSp>
+      <p:pic>
+        <p:nvPicPr>
+          <p:cNvPr id="61" name="Graphic 60" descr="Hourglass 90% with solid fill">
+            <a:extLst>
+              <a:ext uri="{FF2B5EF4-FFF2-40B4-BE49-F238E27FC236}">
+                <a16:creationId xmlns:a16="http://schemas.microsoft.com/office/drawing/2014/main" id="{1E1B6C65-DF08-E76D-C4F2-26B5EE3DEB81}"/>
+              </a:ext>
+            </a:extLst>
+          </p:cNvPr>
+          <p:cNvPicPr>
+            <a:picLocks noChangeAspect="1"/>
+          </p:cNvPicPr>
+          <p:nvPr/>
+        </p:nvPicPr>
+        <p:blipFill>
+          <a:blip r:embed="rId12">
+            <a:extLst>
+              <a:ext uri="{96DAC541-7B7A-43D3-8B79-37D633B846F1}">
+                <asvg:svgBlip xmlns:asvg="http://schemas.microsoft.com/office/drawing/2016/SVG/main" r:embed="rId13"/>
+              </a:ext>
+            </a:extLst>
+          </a:blip>
+          <a:stretch>
+            <a:fillRect/>
+          </a:stretch>
+        </p:blipFill>
+        <p:spPr>
+          <a:xfrm>
+            <a:off x="8162231" y="3160184"/>
+            <a:ext cx="352740" cy="352740"/>
+          </a:xfrm>
+          <a:prstGeom prst="rect">
+            <a:avLst/>
+          </a:prstGeom>
+        </p:spPr>
+      </p:pic>
     </p:spTree>
     <p:extLst>
       <p:ext uri="{BB962C8B-B14F-4D97-AF65-F5344CB8AC3E}">
@@ -7953,7 +9128,7 @@
           <a:lstStyle/>
           <a:p>
             <a:r>
-              <a:rPr lang="fr-FR" dirty="0">
+              <a:rPr lang="fr-FR" noProof="0" dirty="0">
                 <a:solidFill>
                   <a:schemeClr val="bg1"/>
                 </a:solidFill>
@@ -7961,12 +9136,6 @@
               </a:rPr>
               <a:t>Intégration avec un moteur de jeu (Godot)</a:t>
             </a:r>
-            <a:endParaRPr lang="fr-FR" noProof="0" dirty="0">
-              <a:solidFill>
-                <a:schemeClr val="bg1"/>
-              </a:solidFill>
-              <a:latin typeface="Arial Black" panose="020B0A04020102020204" pitchFamily="34" charset="0"/>
-            </a:endParaRPr>
           </a:p>
         </p:txBody>
       </p:sp>
@@ -8014,7 +9183,7 @@
         </p:nvSpPr>
         <p:spPr>
           <a:xfrm>
-            <a:off x="1092339" y="1205070"/>
+            <a:off x="1098395" y="1541403"/>
             <a:ext cx="4678675" cy="1477328"/>
           </a:xfrm>
           <a:prstGeom prst="rect">
@@ -8038,7 +9207,7 @@
                   <a:schemeClr val="bg1"/>
                 </a:solidFill>
               </a:rPr>
-              <a:t>Architecture de la scène principale dur Godot</a:t>
+              <a:t>Architecture de la scène principale sur Godot</a:t>
             </a:r>
           </a:p>
           <a:p>
@@ -8046,7 +9215,7 @@
               <a:buFontTx/>
               <a:buChar char="-"/>
             </a:pPr>
-            <a:endParaRPr lang="fr-FR" dirty="0">
+            <a:endParaRPr lang="fr-FR" noProof="0" dirty="0">
               <a:solidFill>
                 <a:schemeClr val="bg1"/>
               </a:solidFill>
@@ -8058,7 +9227,7 @@
               <a:buChar char="-"/>
             </a:pPr>
             <a:r>
-              <a:rPr lang="fr-FR" dirty="0">
+              <a:rPr lang="fr-FR" noProof="0" dirty="0">
                 <a:solidFill>
                   <a:schemeClr val="bg1"/>
                 </a:solidFill>
@@ -8066,7 +9235,7 @@
               <a:t>Logique gérée par le </a:t>
             </a:r>
             <a:r>
-              <a:rPr lang="fr-FR" dirty="0" err="1">
+              <a:rPr lang="fr-FR" noProof="0" dirty="0" err="1">
                 <a:solidFill>
                   <a:schemeClr val="bg1"/>
                 </a:solidFill>
@@ -8074,7 +9243,7 @@
               <a:t>GameManager</a:t>
             </a:r>
             <a:r>
-              <a:rPr lang="fr-FR" dirty="0">
+              <a:rPr lang="fr-FR" noProof="0" dirty="0">
                 <a:solidFill>
                   <a:schemeClr val="bg1"/>
                 </a:solidFill>
@@ -8082,7 +9251,7 @@
               <a:t> faisant appel au </a:t>
             </a:r>
             <a:r>
-              <a:rPr lang="fr-FR" dirty="0" err="1">
+              <a:rPr lang="fr-FR" noProof="0" dirty="0" err="1">
                 <a:solidFill>
                   <a:schemeClr val="bg1"/>
                 </a:solidFill>
@@ -8097,41 +9266,38 @@
           </a:p>
         </p:txBody>
       </p:sp>
-      <p:sp>
-        <p:nvSpPr>
-          <p:cNvPr id="6" name="TextBox 5">
-            <a:extLst>
-              <a:ext uri="{FF2B5EF4-FFF2-40B4-BE49-F238E27FC236}">
-                <a16:creationId xmlns:a16="http://schemas.microsoft.com/office/drawing/2014/main" id="{C90A4BD6-D327-D08F-2BC0-9335A2B9B727}"/>
-              </a:ext>
-            </a:extLst>
-          </p:cNvPr>
-          <p:cNvSpPr txBox="1"/>
+      <p:pic>
+        <p:nvPicPr>
+          <p:cNvPr id="5" name="Picture 4" descr="A computer screen shot of a computer&#10;&#10;AI-generated content may be incorrect.">
+            <a:extLst>
+              <a:ext uri="{FF2B5EF4-FFF2-40B4-BE49-F238E27FC236}">
+                <a16:creationId xmlns:a16="http://schemas.microsoft.com/office/drawing/2014/main" id="{47FC0EF2-DAF5-9A53-EBF0-4F5C23289229}"/>
+              </a:ext>
+            </a:extLst>
+          </p:cNvPr>
+          <p:cNvPicPr>
+            <a:picLocks noChangeAspect="1"/>
+          </p:cNvPicPr>
           <p:nvPr/>
-        </p:nvSpPr>
-        <p:spPr>
-          <a:xfrm>
-            <a:off x="4281330" y="3839269"/>
-            <a:ext cx="4959560" cy="369332"/>
-          </a:xfrm>
-          <a:prstGeom prst="rect">
-            <a:avLst/>
+        </p:nvPicPr>
+        <p:blipFill>
+          <a:blip r:embed="rId2"/>
+          <a:stretch>
+            <a:fillRect/>
+          </a:stretch>
+        </p:blipFill>
+        <p:spPr>
+          <a:xfrm>
+            <a:off x="5603663" y="1758379"/>
+            <a:ext cx="5489942" cy="4715468"/>
+          </a:xfrm>
+          <a:prstGeom prst="roundRect">
+            <a:avLst>
+              <a:gd name="adj" fmla="val 5238"/>
+            </a:avLst>
           </a:prstGeom>
-          <a:noFill/>
-        </p:spPr>
-        <p:txBody>
-          <a:bodyPr wrap="square" rtlCol="0">
-            <a:spAutoFit/>
-          </a:bodyPr>
-          <a:lstStyle/>
-          <a:p>
-            <a:r>
-              <a:rPr lang="en-US" dirty="0"/>
-              <a:t>INSERT GODOT SCENE PICTURE</a:t>
-            </a:r>
-          </a:p>
-        </p:txBody>
-      </p:sp>
+        </p:spPr>
+      </p:pic>
     </p:spTree>
     <p:extLst>
       <p:ext uri="{BB962C8B-B14F-4D97-AF65-F5344CB8AC3E}">
@@ -8205,7 +9371,7 @@
           <a:lstStyle/>
           <a:p>
             <a:r>
-              <a:rPr lang="fr-FR" dirty="0">
+              <a:rPr lang="fr-FR" noProof="0" dirty="0">
                 <a:solidFill>
                   <a:schemeClr val="bg1"/>
                 </a:solidFill>
@@ -8213,12 +9379,6 @@
               </a:rPr>
               <a:t>Live démo !</a:t>
             </a:r>
-            <a:endParaRPr lang="fr-FR" noProof="0" dirty="0">
-              <a:solidFill>
-                <a:schemeClr val="bg1"/>
-              </a:solidFill>
-              <a:latin typeface="Arial Black" panose="020B0A04020102020204" pitchFamily="34" charset="0"/>
-            </a:endParaRPr>
           </a:p>
         </p:txBody>
       </p:sp>
@@ -8274,13 +9434,133 @@
         </p:blipFill>
         <p:spPr>
           <a:xfrm>
-            <a:off x="4140569" y="1458793"/>
-            <a:ext cx="3910861" cy="3940413"/>
+            <a:off x="3886384" y="1290526"/>
+            <a:ext cx="4419231" cy="4452624"/>
           </a:xfrm>
           <a:prstGeom prst="rect">
             <a:avLst/>
           </a:prstGeom>
           <a:noFill/>
+        </p:spPr>
+      </p:pic>
+      <p:pic>
+        <p:nvPicPr>
+          <p:cNvPr id="6" name="Picture 5">
+            <a:extLst>
+              <a:ext uri="{FF2B5EF4-FFF2-40B4-BE49-F238E27FC236}">
+                <a16:creationId xmlns:a16="http://schemas.microsoft.com/office/drawing/2014/main" id="{D62CFBFB-5A20-D7E5-3B87-6858675B6F38}"/>
+              </a:ext>
+            </a:extLst>
+          </p:cNvPr>
+          <p:cNvPicPr>
+            <a:picLocks noChangeAspect="1"/>
+          </p:cNvPicPr>
+          <p:nvPr/>
+        </p:nvPicPr>
+        <p:blipFill>
+          <a:blip r:embed="rId3"/>
+          <a:stretch>
+            <a:fillRect/>
+          </a:stretch>
+        </p:blipFill>
+        <p:spPr>
+          <a:xfrm rot="18170081">
+            <a:off x="11638026" y="3727450"/>
+            <a:ext cx="292782" cy="1771650"/>
+          </a:xfrm>
+          <a:prstGeom prst="rect">
+            <a:avLst/>
+          </a:prstGeom>
+        </p:spPr>
+      </p:pic>
+      <p:pic>
+        <p:nvPicPr>
+          <p:cNvPr id="7" name="Picture 6">
+            <a:extLst>
+              <a:ext uri="{FF2B5EF4-FFF2-40B4-BE49-F238E27FC236}">
+                <a16:creationId xmlns:a16="http://schemas.microsoft.com/office/drawing/2014/main" id="{7DD5C702-20EF-EDC3-2E16-6F3CEB78450A}"/>
+              </a:ext>
+            </a:extLst>
+          </p:cNvPr>
+          <p:cNvPicPr>
+            <a:picLocks noChangeAspect="1"/>
+          </p:cNvPicPr>
+          <p:nvPr/>
+        </p:nvPicPr>
+        <p:blipFill>
+          <a:blip r:embed="rId3"/>
+          <a:stretch>
+            <a:fillRect/>
+          </a:stretch>
+        </p:blipFill>
+        <p:spPr>
+          <a:xfrm rot="5400000">
+            <a:off x="-331179" y="2689566"/>
+            <a:ext cx="292782" cy="1771650"/>
+          </a:xfrm>
+          <a:prstGeom prst="rect">
+            <a:avLst/>
+          </a:prstGeom>
+        </p:spPr>
+      </p:pic>
+      <p:pic>
+        <p:nvPicPr>
+          <p:cNvPr id="8" name="Picture 7">
+            <a:extLst>
+              <a:ext uri="{FF2B5EF4-FFF2-40B4-BE49-F238E27FC236}">
+                <a16:creationId xmlns:a16="http://schemas.microsoft.com/office/drawing/2014/main" id="{7ED58837-C0A3-7C1F-64AD-E87ECB2F0E91}"/>
+              </a:ext>
+            </a:extLst>
+          </p:cNvPr>
+          <p:cNvPicPr>
+            <a:picLocks noChangeAspect="1"/>
+          </p:cNvPicPr>
+          <p:nvPr/>
+        </p:nvPicPr>
+        <p:blipFill>
+          <a:blip r:embed="rId3"/>
+          <a:stretch>
+            <a:fillRect/>
+          </a:stretch>
+        </p:blipFill>
+        <p:spPr>
+          <a:xfrm rot="10800000">
+            <a:off x="3193071" y="4457670"/>
+            <a:ext cx="292782" cy="1771650"/>
+          </a:xfrm>
+          <a:prstGeom prst="rect">
+            <a:avLst/>
+          </a:prstGeom>
+        </p:spPr>
+      </p:pic>
+      <p:pic>
+        <p:nvPicPr>
+          <p:cNvPr id="9" name="Picture 8">
+            <a:extLst>
+              <a:ext uri="{FF2B5EF4-FFF2-40B4-BE49-F238E27FC236}">
+                <a16:creationId xmlns:a16="http://schemas.microsoft.com/office/drawing/2014/main" id="{C5CD9970-4A0B-8F20-26DF-03371F80278B}"/>
+              </a:ext>
+            </a:extLst>
+          </p:cNvPr>
+          <p:cNvPicPr>
+            <a:picLocks noChangeAspect="1"/>
+          </p:cNvPicPr>
+          <p:nvPr/>
+        </p:nvPicPr>
+        <p:blipFill>
+          <a:blip r:embed="rId3"/>
+          <a:stretch>
+            <a:fillRect/>
+          </a:stretch>
+        </p:blipFill>
+        <p:spPr>
+          <a:xfrm rot="5400000">
+            <a:off x="9143544" y="-148711"/>
+            <a:ext cx="292782" cy="1771650"/>
+          </a:xfrm>
+          <a:prstGeom prst="rect">
+            <a:avLst/>
+          </a:prstGeom>
         </p:spPr>
       </p:pic>
     </p:spTree>
@@ -8356,7 +9636,7 @@
           <a:lstStyle/>
           <a:p>
             <a:r>
-              <a:rPr lang="fr-FR" dirty="0">
+              <a:rPr lang="fr-FR" noProof="0" dirty="0">
                 <a:solidFill>
                   <a:schemeClr val="bg1"/>
                 </a:solidFill>
@@ -8364,12 +9644,6 @@
               </a:rPr>
               <a:t>Bilan</a:t>
             </a:r>
-            <a:endParaRPr lang="fr-FR" noProof="0" dirty="0">
-              <a:solidFill>
-                <a:schemeClr val="bg1"/>
-              </a:solidFill>
-              <a:latin typeface="Arial Black" panose="020B0A04020102020204" pitchFamily="34" charset="0"/>
-            </a:endParaRPr>
           </a:p>
         </p:txBody>
       </p:sp>
@@ -8441,7 +9715,7 @@
             </a:r>
           </a:p>
           <a:p>
-            <a:endParaRPr lang="fr-FR" dirty="0">
+            <a:endParaRPr lang="fr-FR" noProof="0" dirty="0">
               <a:solidFill>
                 <a:schemeClr val="bg1"/>
               </a:solidFill>
@@ -8478,12 +9752,149 @@
               <a:buChar char="-"/>
             </a:pPr>
             <a:r>
-              <a:rPr lang="fr-FR" dirty="0">
+              <a:rPr lang="fr-FR" noProof="0" dirty="0">
                 <a:solidFill>
                   <a:schemeClr val="bg1"/>
                 </a:solidFill>
               </a:rPr>
               <a:t>Utiliser le moteur Godot</a:t>
+            </a:r>
+          </a:p>
+          <a:p>
+            <a:pPr marL="285750" indent="-285750">
+              <a:buFontTx/>
+              <a:buChar char="-"/>
+            </a:pPr>
+            <a:endParaRPr lang="fr-FR" noProof="0" dirty="0">
+              <a:solidFill>
+                <a:schemeClr val="bg1"/>
+              </a:solidFill>
+            </a:endParaRPr>
+          </a:p>
+          <a:p>
+            <a:pPr marL="285750" indent="-285750">
+              <a:buFontTx/>
+              <a:buChar char="-"/>
+            </a:pPr>
+            <a:r>
+              <a:rPr lang="fr-FR" noProof="0" dirty="0">
+                <a:solidFill>
+                  <a:schemeClr val="bg1"/>
+                </a:solidFill>
+              </a:rPr>
+              <a:t>Optimiser le passage d’informations entre la librairie et le moteur</a:t>
+            </a:r>
+          </a:p>
+          <a:p>
+            <a:pPr marL="285750" indent="-285750">
+              <a:buFontTx/>
+              <a:buChar char="-"/>
+            </a:pPr>
+            <a:endParaRPr lang="fr-FR" noProof="0" dirty="0">
+              <a:solidFill>
+                <a:schemeClr val="bg1"/>
+              </a:solidFill>
+            </a:endParaRPr>
+          </a:p>
+        </p:txBody>
+      </p:sp>
+      <p:sp>
+        <p:nvSpPr>
+          <p:cNvPr id="6" name="TextBox 5">
+            <a:extLst>
+              <a:ext uri="{FF2B5EF4-FFF2-40B4-BE49-F238E27FC236}">
+                <a16:creationId xmlns:a16="http://schemas.microsoft.com/office/drawing/2014/main" id="{5EBE95E9-3768-9CFD-F1FF-C56E64DD6CE8}"/>
+              </a:ext>
+            </a:extLst>
+          </p:cNvPr>
+          <p:cNvSpPr txBox="1"/>
+          <p:nvPr/>
+        </p:nvSpPr>
+        <p:spPr>
+          <a:xfrm>
+            <a:off x="6420988" y="1205070"/>
+            <a:ext cx="4678675" cy="3416320"/>
+          </a:xfrm>
+          <a:prstGeom prst="rect">
+            <a:avLst/>
+          </a:prstGeom>
+          <a:noFill/>
+        </p:spPr>
+        <p:txBody>
+          <a:bodyPr wrap="square" rtlCol="0">
+            <a:spAutoFit/>
+          </a:bodyPr>
+          <a:lstStyle/>
+          <a:p>
+            <a:r>
+              <a:rPr lang="fr-FR" b="1" u="sng" noProof="0" dirty="0">
+                <a:solidFill>
+                  <a:schemeClr val="bg1"/>
+                </a:solidFill>
+              </a:rPr>
+              <a:t>Axes d’amélioration:</a:t>
+            </a:r>
+          </a:p>
+          <a:p>
+            <a:endParaRPr lang="fr-FR" noProof="0" dirty="0">
+              <a:solidFill>
+                <a:schemeClr val="bg1"/>
+              </a:solidFill>
+            </a:endParaRPr>
+          </a:p>
+          <a:p>
+            <a:pPr marL="285750" indent="-285750">
+              <a:buFontTx/>
+              <a:buChar char="-"/>
+            </a:pPr>
+            <a:r>
+              <a:rPr lang="fr-FR" noProof="0" dirty="0">
+                <a:solidFill>
+                  <a:schemeClr val="bg1"/>
+                </a:solidFill>
+              </a:rPr>
+              <a:t>Rajouter des fonctionnalités (Dash, ennemies, scoreboard…)</a:t>
+            </a:r>
+          </a:p>
+          <a:p>
+            <a:pPr marL="285750" indent="-285750">
+              <a:buFontTx/>
+              <a:buChar char="-"/>
+            </a:pPr>
+            <a:endParaRPr lang="fr-FR" noProof="0" dirty="0">
+              <a:solidFill>
+                <a:schemeClr val="bg1"/>
+              </a:solidFill>
+            </a:endParaRPr>
+          </a:p>
+          <a:p>
+            <a:pPr marL="285750" indent="-285750">
+              <a:buFontTx/>
+              <a:buChar char="-"/>
+            </a:pPr>
+            <a:r>
+              <a:rPr lang="fr-FR" noProof="0" dirty="0">
+                <a:solidFill>
+                  <a:schemeClr val="bg1"/>
+                </a:solidFill>
+              </a:rPr>
+              <a:t>Utiliser un thread séparé dans le </a:t>
+            </a:r>
+            <a:r>
+              <a:rPr lang="fr-FR" noProof="0" dirty="0" err="1">
+                <a:solidFill>
+                  <a:schemeClr val="bg1"/>
+                </a:solidFill>
+              </a:rPr>
+              <a:t>Core</a:t>
+            </a:r>
+            <a:r>
+              <a:rPr lang="fr-FR" noProof="0" dirty="0">
+                <a:solidFill>
+                  <a:schemeClr val="bg1"/>
+                </a:solidFill>
+              </a:rPr>
+              <a:t> pour gérer la boucle du jeu</a:t>
             </a:r>
           </a:p>
           <a:p>
@@ -8503,12 +9914,20 @@
               <a:buChar char="-"/>
             </a:pPr>
             <a:r>
-              <a:rPr lang="fr-FR" dirty="0">
+              <a:rPr lang="fr-FR" noProof="0">
                 <a:solidFill>
                   <a:schemeClr val="bg1"/>
                 </a:solidFill>
               </a:rPr>
-              <a:t>Optimiser le passage d’informations entre la librairie et le moteur</a:t>
+              <a:t>Améliorer </a:t>
+            </a:r>
+            <a:r>
+              <a:rPr lang="fr-FR" noProof="0" dirty="0">
+                <a:solidFill>
+                  <a:schemeClr val="bg1"/>
+                </a:solidFill>
+              </a:rPr>
+              <a:t>le vecteur représentant l’état du jeu</a:t>
             </a:r>
           </a:p>
           <a:p>
@@ -8522,66 +9941,6 @@
               </a:solidFill>
             </a:endParaRPr>
           </a:p>
-        </p:txBody>
-      </p:sp>
-      <p:sp>
-        <p:nvSpPr>
-          <p:cNvPr id="6" name="TextBox 5">
-            <a:extLst>
-              <a:ext uri="{FF2B5EF4-FFF2-40B4-BE49-F238E27FC236}">
-                <a16:creationId xmlns:a16="http://schemas.microsoft.com/office/drawing/2014/main" id="{5EBE95E9-3768-9CFD-F1FF-C56E64DD6CE8}"/>
-              </a:ext>
-            </a:extLst>
-          </p:cNvPr>
-          <p:cNvSpPr txBox="1"/>
-          <p:nvPr/>
-        </p:nvSpPr>
-        <p:spPr>
-          <a:xfrm>
-            <a:off x="6420988" y="1205070"/>
-            <a:ext cx="4678675" cy="2585323"/>
-          </a:xfrm>
-          <a:prstGeom prst="rect">
-            <a:avLst/>
-          </a:prstGeom>
-          <a:noFill/>
-        </p:spPr>
-        <p:txBody>
-          <a:bodyPr wrap="square" rtlCol="0">
-            <a:spAutoFit/>
-          </a:bodyPr>
-          <a:lstStyle/>
-          <a:p>
-            <a:r>
-              <a:rPr lang="fr-FR" b="1" u="sng" noProof="0" dirty="0">
-                <a:solidFill>
-                  <a:schemeClr val="bg1"/>
-                </a:solidFill>
-              </a:rPr>
-              <a:t>Axes d’amélioration:</a:t>
-            </a:r>
-          </a:p>
-          <a:p>
-            <a:endParaRPr lang="fr-FR" dirty="0">
-              <a:solidFill>
-                <a:schemeClr val="bg1"/>
-              </a:solidFill>
-            </a:endParaRPr>
-          </a:p>
-          <a:p>
-            <a:pPr marL="285750" indent="-285750">
-              <a:buFontTx/>
-              <a:buChar char="-"/>
-            </a:pPr>
-            <a:r>
-              <a:rPr lang="fr-FR" noProof="0" dirty="0">
-                <a:solidFill>
-                  <a:schemeClr val="bg1"/>
-                </a:solidFill>
-              </a:rPr>
-              <a:t>Rajouter des fonctionnalités (Dash, ennemies, scoreboard…)</a:t>
-            </a:r>
-          </a:p>
           <a:p>
             <a:pPr marL="285750" indent="-285750">
               <a:buFontTx/>
@@ -8593,60 +9952,98 @@
               </a:solidFill>
             </a:endParaRPr>
           </a:p>
-          <a:p>
-            <a:pPr marL="285750" indent="-285750">
-              <a:buFontTx/>
-              <a:buChar char="-"/>
-            </a:pPr>
-            <a:r>
-              <a:rPr lang="fr-FR" dirty="0">
-                <a:solidFill>
-                  <a:schemeClr val="bg1"/>
-                </a:solidFill>
-              </a:rPr>
-              <a:t>Utiliser un thread séparé dans le </a:t>
-            </a:r>
-            <a:r>
-              <a:rPr lang="fr-FR" dirty="0" err="1">
-                <a:solidFill>
-                  <a:schemeClr val="bg1"/>
-                </a:solidFill>
-              </a:rPr>
-              <a:t>Core</a:t>
-            </a:r>
-            <a:r>
-              <a:rPr lang="fr-FR" dirty="0">
-                <a:solidFill>
-                  <a:schemeClr val="bg1"/>
-                </a:solidFill>
-              </a:rPr>
-              <a:t> pour gérer la boucle du jeu</a:t>
-            </a:r>
-          </a:p>
-          <a:p>
-            <a:pPr marL="285750" indent="-285750">
-              <a:buFontTx/>
-              <a:buChar char="-"/>
-            </a:pPr>
-            <a:endParaRPr lang="fr-FR" dirty="0">
-              <a:solidFill>
-                <a:schemeClr val="bg1"/>
-              </a:solidFill>
-            </a:endParaRPr>
-          </a:p>
-          <a:p>
-            <a:pPr marL="285750" indent="-285750">
-              <a:buFontTx/>
-              <a:buChar char="-"/>
-            </a:pPr>
-            <a:endParaRPr lang="fr-FR" noProof="0" dirty="0">
-              <a:solidFill>
-                <a:schemeClr val="bg1"/>
-              </a:solidFill>
-            </a:endParaRPr>
-          </a:p>
         </p:txBody>
       </p:sp>
+      <p:pic>
+        <p:nvPicPr>
+          <p:cNvPr id="7" name="Picture 6">
+            <a:extLst>
+              <a:ext uri="{FF2B5EF4-FFF2-40B4-BE49-F238E27FC236}">
+                <a16:creationId xmlns:a16="http://schemas.microsoft.com/office/drawing/2014/main" id="{675352C6-97D9-E73A-D95C-C3324EC42589}"/>
+              </a:ext>
+            </a:extLst>
+          </p:cNvPr>
+          <p:cNvPicPr>
+            <a:picLocks noChangeAspect="1"/>
+          </p:cNvPicPr>
+          <p:nvPr/>
+        </p:nvPicPr>
+        <p:blipFill>
+          <a:blip r:embed="rId2"/>
+          <a:stretch>
+            <a:fillRect/>
+          </a:stretch>
+        </p:blipFill>
+        <p:spPr>
+          <a:xfrm>
+            <a:off x="8934318" y="1090076"/>
+            <a:ext cx="425960" cy="540970"/>
+          </a:xfrm>
+          <a:prstGeom prst="rect">
+            <a:avLst/>
+          </a:prstGeom>
+        </p:spPr>
+      </p:pic>
+      <p:pic>
+        <p:nvPicPr>
+          <p:cNvPr id="8" name="Picture 7">
+            <a:extLst>
+              <a:ext uri="{FF2B5EF4-FFF2-40B4-BE49-F238E27FC236}">
+                <a16:creationId xmlns:a16="http://schemas.microsoft.com/office/drawing/2014/main" id="{DFEED132-E248-01DB-38CF-D386E3F2D8D1}"/>
+              </a:ext>
+            </a:extLst>
+          </p:cNvPr>
+          <p:cNvPicPr>
+            <a:picLocks noChangeAspect="1"/>
+          </p:cNvPicPr>
+          <p:nvPr/>
+        </p:nvPicPr>
+        <p:blipFill>
+          <a:blip r:embed="rId2"/>
+          <a:stretch>
+            <a:fillRect/>
+          </a:stretch>
+        </p:blipFill>
+        <p:spPr>
+          <a:xfrm>
+            <a:off x="1381119" y="4182386"/>
+            <a:ext cx="425960" cy="540970"/>
+          </a:xfrm>
+          <a:prstGeom prst="rect">
+            <a:avLst/>
+          </a:prstGeom>
+        </p:spPr>
+      </p:pic>
+      <p:pic>
+        <p:nvPicPr>
+          <p:cNvPr id="11" name="Picture 10">
+            <a:extLst>
+              <a:ext uri="{FF2B5EF4-FFF2-40B4-BE49-F238E27FC236}">
+                <a16:creationId xmlns:a16="http://schemas.microsoft.com/office/drawing/2014/main" id="{04934F64-E788-F8F3-CAAD-4CE8189FD9A6}"/>
+              </a:ext>
+            </a:extLst>
+          </p:cNvPr>
+          <p:cNvPicPr>
+            <a:picLocks noChangeAspect="1"/>
+          </p:cNvPicPr>
+          <p:nvPr/>
+        </p:nvPicPr>
+        <p:blipFill>
+          <a:blip r:embed="rId3"/>
+          <a:stretch>
+            <a:fillRect/>
+          </a:stretch>
+        </p:blipFill>
+        <p:spPr>
+          <a:xfrm rot="5400000">
+            <a:off x="7967726" y="4205125"/>
+            <a:ext cx="585564" cy="3543300"/>
+          </a:xfrm>
+          <a:prstGeom prst="rect">
+            <a:avLst/>
+          </a:prstGeom>
+        </p:spPr>
+      </p:pic>
     </p:spTree>
     <p:extLst>
       <p:ext uri="{BB962C8B-B14F-4D97-AF65-F5344CB8AC3E}">

--- a/Snake game.pptx
+++ b/Snake game.pptx
@@ -229,7 +229,7 @@
           <a:p>
             <a:fld id="{4BE6205E-B305-4B90-9534-3C5E99A0275E}" type="datetimeFigureOut">
               <a:rPr lang="en-US" smtClean="0"/>
-              <a:t>10/30/2025</a:t>
+              <a:t>12/14/2025</a:t>
             </a:fld>
             <a:endParaRPr lang="en-US" dirty="0"/>
           </a:p>
@@ -406,7 +406,7 @@
           <a:p>
             <a:fld id="{233722F1-E430-42A1-A473-1759336AECCE}" type="datetimeFigureOut">
               <a:rPr lang="en-US" smtClean="0"/>
-              <a:t>10/30/2025</a:t>
+              <a:t>12/14/2025</a:t>
             </a:fld>
             <a:endParaRPr lang="en-US" dirty="0"/>
           </a:p>
@@ -10878,23 +10878,12 @@
 </file>
 
 <file path=customXml/item1.xml><?xml version="1.0" encoding="utf-8"?>
-<p:properties xmlns:p="http://schemas.microsoft.com/office/2006/metadata/properties" xmlns:xsi="http://www.w3.org/2001/XMLSchema-instance" xmlns:pc="http://schemas.microsoft.com/office/infopath/2007/PartnerControls">
-  <documentManagement>
-    <_ip_UnifiedCompliancePolicyUIAction xmlns="http://schemas.microsoft.com/sharepoint/v3" xsi:nil="true"/>
-    <Image xmlns="71af3243-3dd4-4a8d-8c0d-dd76da1f02a5">
-      <Url xsi:nil="true"/>
-      <Description xsi:nil="true"/>
-    </Image>
-    <Status xmlns="71af3243-3dd4-4a8d-8c0d-dd76da1f02a5">Not started</Status>
-    <Background xmlns="71af3243-3dd4-4a8d-8c0d-dd76da1f02a5">false</Background>
-    <_ip_UnifiedCompliancePolicyProperties xmlns="http://schemas.microsoft.com/sharepoint/v3" xsi:nil="true"/>
-    <ImageTagsTaxHTField xmlns="71af3243-3dd4-4a8d-8c0d-dd76da1f02a5">
-      <Terms xmlns="http://schemas.microsoft.com/office/infopath/2007/PartnerControls"/>
-    </ImageTagsTaxHTField>
-    <TaxCatchAll xmlns="230e9df3-be65-4c73-a93b-d1236ebd677e" xsi:nil="true"/>
-    <MediaServiceKeyPoints xmlns="71af3243-3dd4-4a8d-8c0d-dd76da1f02a5" xsi:nil="true"/>
-  </documentManagement>
-</p:properties>
+<?mso-contentType ?>
+<FormTemplates xmlns="http://schemas.microsoft.com/sharepoint/v3/contenttype/forms">
+  <Display>DocumentLibraryForm</Display>
+  <Edit>DocumentLibraryForm</Edit>
+  <New>DocumentLibraryForm</New>
+</FormTemplates>
 </file>
 
 <file path=customXml/item2.xml><?xml version="1.0" encoding="utf-8"?>
@@ -11210,22 +11199,29 @@
 </file>
 
 <file path=customXml/item3.xml><?xml version="1.0" encoding="utf-8"?>
-<?mso-contentType ?>
-<FormTemplates xmlns="http://schemas.microsoft.com/sharepoint/v3/contenttype/forms">
-  <Display>DocumentLibraryForm</Display>
-  <Edit>DocumentLibraryForm</Edit>
-  <New>DocumentLibraryForm</New>
-</FormTemplates>
+<p:properties xmlns:p="http://schemas.microsoft.com/office/2006/metadata/properties" xmlns:xsi="http://www.w3.org/2001/XMLSchema-instance" xmlns:pc="http://schemas.microsoft.com/office/infopath/2007/PartnerControls">
+  <documentManagement>
+    <_ip_UnifiedCompliancePolicyUIAction xmlns="http://schemas.microsoft.com/sharepoint/v3" xsi:nil="true"/>
+    <Image xmlns="71af3243-3dd4-4a8d-8c0d-dd76da1f02a5">
+      <Url xsi:nil="true"/>
+      <Description xsi:nil="true"/>
+    </Image>
+    <Status xmlns="71af3243-3dd4-4a8d-8c0d-dd76da1f02a5">Not started</Status>
+    <Background xmlns="71af3243-3dd4-4a8d-8c0d-dd76da1f02a5">false</Background>
+    <_ip_UnifiedCompliancePolicyProperties xmlns="http://schemas.microsoft.com/sharepoint/v3" xsi:nil="true"/>
+    <ImageTagsTaxHTField xmlns="71af3243-3dd4-4a8d-8c0d-dd76da1f02a5">
+      <Terms xmlns="http://schemas.microsoft.com/office/infopath/2007/PartnerControls"/>
+    </ImageTagsTaxHTField>
+    <TaxCatchAll xmlns="230e9df3-be65-4c73-a93b-d1236ebd677e" xsi:nil="true"/>
+    <MediaServiceKeyPoints xmlns="71af3243-3dd4-4a8d-8c0d-dd76da1f02a5" xsi:nil="true"/>
+  </documentManagement>
+</p:properties>
 </file>
 
 <file path=customXml/itemProps1.xml><?xml version="1.0" encoding="utf-8"?>
-<ds:datastoreItem xmlns:ds="http://schemas.openxmlformats.org/officeDocument/2006/customXml" ds:itemID="{3FDB7358-0BCB-4DEB-B717-C1D7CC555F05}">
+<ds:datastoreItem xmlns:ds="http://schemas.openxmlformats.org/officeDocument/2006/customXml" ds:itemID="{6DE3707C-8CAB-4302-B7E1-D32E1543E05C}">
   <ds:schemaRefs>
-    <ds:schemaRef ds:uri="http://schemas.microsoft.com/office/2006/metadata/properties"/>
-    <ds:schemaRef ds:uri="http://schemas.microsoft.com/office/infopath/2007/PartnerControls"/>
-    <ds:schemaRef ds:uri="http://schemas.microsoft.com/sharepoint/v3"/>
-    <ds:schemaRef ds:uri="71af3243-3dd4-4a8d-8c0d-dd76da1f02a5"/>
-    <ds:schemaRef ds:uri="230e9df3-be65-4c73-a93b-d1236ebd677e"/>
+    <ds:schemaRef ds:uri="http://schemas.microsoft.com/sharepoint/v3/contenttype/forms"/>
   </ds:schemaRefs>
 </ds:datastoreItem>
 </file>
@@ -11252,9 +11248,13 @@
 </file>
 
 <file path=customXml/itemProps3.xml><?xml version="1.0" encoding="utf-8"?>
-<ds:datastoreItem xmlns:ds="http://schemas.openxmlformats.org/officeDocument/2006/customXml" ds:itemID="{6DE3707C-8CAB-4302-B7E1-D32E1543E05C}">
+<ds:datastoreItem xmlns:ds="http://schemas.openxmlformats.org/officeDocument/2006/customXml" ds:itemID="{3FDB7358-0BCB-4DEB-B717-C1D7CC555F05}">
   <ds:schemaRefs>
-    <ds:schemaRef ds:uri="http://schemas.microsoft.com/sharepoint/v3/contenttype/forms"/>
+    <ds:schemaRef ds:uri="http://schemas.microsoft.com/office/2006/metadata/properties"/>
+    <ds:schemaRef ds:uri="http://schemas.microsoft.com/office/infopath/2007/PartnerControls"/>
+    <ds:schemaRef ds:uri="http://schemas.microsoft.com/sharepoint/v3"/>
+    <ds:schemaRef ds:uri="71af3243-3dd4-4a8d-8c0d-dd76da1f02a5"/>
+    <ds:schemaRef ds:uri="230e9df3-be65-4c73-a93b-d1236ebd677e"/>
   </ds:schemaRefs>
 </ds:datastoreItem>
 </file>
